--- a/Presentation1.pptx
+++ b/Presentation1.pptx
@@ -10,6 +10,12 @@
     <p:sldId id="259" r:id="rId4"/>
     <p:sldId id="258" r:id="rId5"/>
     <p:sldId id="260" r:id="rId6"/>
+    <p:sldId id="261" r:id="rId7"/>
+    <p:sldId id="262" r:id="rId8"/>
+    <p:sldId id="263" r:id="rId9"/>
+    <p:sldId id="264" r:id="rId10"/>
+    <p:sldId id="265" r:id="rId11"/>
+    <p:sldId id="266" r:id="rId12"/>
   </p:sldIdLst>
   <p:sldSz cx="12192000" cy="6858000"/>
   <p:notesSz cx="6858000" cy="9144000"/>
@@ -108,6 +114,11 @@
       </a:defRPr>
     </a:lvl9pPr>
   </p:defaultTextStyle>
+  <p:extLst>
+    <p:ext uri="{EFAFB233-063F-42B5-8137-9DF3F51BA10A}">
+      <p15:sldGuideLst xmlns:p15="http://schemas.microsoft.com/office/powerpoint/2012/main"/>
+    </p:ext>
+  </p:extLst>
 </p:presentation>
 </file>
 
@@ -10055,6 +10066,176 @@
 </p:sld>
 </file>
 
+<file path=ppt/slides/slide10.xml><?xml version="1.0" encoding="utf-8"?>
+<p:sld xmlns:a="http://schemas.openxmlformats.org/drawingml/2006/main" xmlns:r="http://schemas.openxmlformats.org/officeDocument/2006/relationships" xmlns:p="http://schemas.openxmlformats.org/presentationml/2006/main">
+  <p:cSld>
+    <p:spTree>
+      <p:nvGrpSpPr>
+        <p:cNvPr id="1" name=""/>
+        <p:cNvGrpSpPr/>
+        <p:nvPr/>
+      </p:nvGrpSpPr>
+      <p:grpSpPr>
+        <a:xfrm>
+          <a:off x="0" y="0"/>
+          <a:ext cx="0" cy="0"/>
+          <a:chOff x="0" y="0"/>
+          <a:chExt cx="0" cy="0"/>
+        </a:xfrm>
+      </p:grpSpPr>
+      <p:sp>
+        <p:nvSpPr>
+          <p:cNvPr id="2" name="Title 1">
+            <a:extLst>
+              <a:ext uri="{FF2B5EF4-FFF2-40B4-BE49-F238E27FC236}">
+                <a16:creationId xmlns:a16="http://schemas.microsoft.com/office/drawing/2014/main" id="{B1FB4BFC-3E1F-244D-AB1C-13FCEAC0B5B2}"/>
+              </a:ext>
+            </a:extLst>
+          </p:cNvPr>
+          <p:cNvSpPr>
+            <a:spLocks noGrp="1"/>
+          </p:cNvSpPr>
+          <p:nvPr>
+            <p:ph type="title"/>
+          </p:nvPr>
+        </p:nvSpPr>
+        <p:spPr/>
+        <p:txBody>
+          <a:bodyPr/>
+          <a:lstStyle/>
+          <a:p>
+            <a:r>
+              <a:rPr lang="en-US" dirty="0"/>
+              <a:t>Starting Strategy</a:t>
+            </a:r>
+          </a:p>
+        </p:txBody>
+      </p:sp>
+      <p:sp>
+        <p:nvSpPr>
+          <p:cNvPr id="3" name="Content Placeholder 2">
+            <a:extLst>
+              <a:ext uri="{FF2B5EF4-FFF2-40B4-BE49-F238E27FC236}">
+                <a16:creationId xmlns:a16="http://schemas.microsoft.com/office/drawing/2014/main" id="{1AB8407D-1357-4444-B2F7-B32249551BFD}"/>
+              </a:ext>
+            </a:extLst>
+          </p:cNvPr>
+          <p:cNvSpPr>
+            <a:spLocks noGrp="1"/>
+          </p:cNvSpPr>
+          <p:nvPr>
+            <p:ph idx="1"/>
+          </p:nvPr>
+        </p:nvSpPr>
+        <p:spPr/>
+        <p:txBody>
+          <a:bodyPr/>
+          <a:lstStyle/>
+          <a:p>
+            <a:endParaRPr lang="en-US"/>
+          </a:p>
+        </p:txBody>
+      </p:sp>
+    </p:spTree>
+    <p:extLst>
+      <p:ext uri="{BB962C8B-B14F-4D97-AF65-F5344CB8AC3E}">
+        <p14:creationId xmlns:p14="http://schemas.microsoft.com/office/powerpoint/2010/main" val="1413717045"/>
+      </p:ext>
+    </p:extLst>
+  </p:cSld>
+  <p:clrMapOvr>
+    <a:masterClrMapping/>
+  </p:clrMapOvr>
+</p:sld>
+</file>
+
+<file path=ppt/slides/slide11.xml><?xml version="1.0" encoding="utf-8"?>
+<p:sld xmlns:a="http://schemas.openxmlformats.org/drawingml/2006/main" xmlns:r="http://schemas.openxmlformats.org/officeDocument/2006/relationships" xmlns:p="http://schemas.openxmlformats.org/presentationml/2006/main">
+  <p:cSld>
+    <p:spTree>
+      <p:nvGrpSpPr>
+        <p:cNvPr id="1" name=""/>
+        <p:cNvGrpSpPr/>
+        <p:nvPr/>
+      </p:nvGrpSpPr>
+      <p:grpSpPr>
+        <a:xfrm>
+          <a:off x="0" y="0"/>
+          <a:ext cx="0" cy="0"/>
+          <a:chOff x="0" y="0"/>
+          <a:chExt cx="0" cy="0"/>
+        </a:xfrm>
+      </p:grpSpPr>
+      <p:sp>
+        <p:nvSpPr>
+          <p:cNvPr id="2" name="Title 1">
+            <a:extLst>
+              <a:ext uri="{FF2B5EF4-FFF2-40B4-BE49-F238E27FC236}">
+                <a16:creationId xmlns:a16="http://schemas.microsoft.com/office/drawing/2014/main" id="{2EED1DF4-9F03-3B4E-879E-85A92870294A}"/>
+              </a:ext>
+            </a:extLst>
+          </p:cNvPr>
+          <p:cNvSpPr>
+            <a:spLocks noGrp="1"/>
+          </p:cNvSpPr>
+          <p:nvPr>
+            <p:ph type="title"/>
+          </p:nvPr>
+        </p:nvSpPr>
+        <p:spPr/>
+        <p:txBody>
+          <a:bodyPr/>
+          <a:lstStyle/>
+          <a:p>
+            <a:r>
+              <a:rPr lang="en-US" dirty="0"/>
+              <a:t>Tools used </a:t>
+            </a:r>
+            <a:r>
+              <a:rPr lang="en-US"/>
+              <a:t>for the team</a:t>
+            </a:r>
+          </a:p>
+        </p:txBody>
+      </p:sp>
+      <p:sp>
+        <p:nvSpPr>
+          <p:cNvPr id="3" name="Content Placeholder 2">
+            <a:extLst>
+              <a:ext uri="{FF2B5EF4-FFF2-40B4-BE49-F238E27FC236}">
+                <a16:creationId xmlns:a16="http://schemas.microsoft.com/office/drawing/2014/main" id="{E876763B-250F-5849-8583-536A89571C4B}"/>
+              </a:ext>
+            </a:extLst>
+          </p:cNvPr>
+          <p:cNvSpPr>
+            <a:spLocks noGrp="1"/>
+          </p:cNvSpPr>
+          <p:nvPr>
+            <p:ph idx="1"/>
+          </p:nvPr>
+        </p:nvSpPr>
+        <p:spPr/>
+        <p:txBody>
+          <a:bodyPr/>
+          <a:lstStyle/>
+          <a:p>
+            <a:endParaRPr lang="en-US"/>
+          </a:p>
+        </p:txBody>
+      </p:sp>
+    </p:spTree>
+    <p:extLst>
+      <p:ext uri="{BB962C8B-B14F-4D97-AF65-F5344CB8AC3E}">
+        <p14:creationId xmlns:p14="http://schemas.microsoft.com/office/powerpoint/2010/main" val="2786487850"/>
+      </p:ext>
+    </p:extLst>
+  </p:cSld>
+  <p:clrMapOvr>
+    <a:masterClrMapping/>
+  </p:clrMapOvr>
+</p:sld>
+</file>
+
 <file path=ppt/slides/slide2.xml><?xml version="1.0" encoding="utf-8"?>
 <p:sld xmlns:a="http://schemas.openxmlformats.org/drawingml/2006/main" xmlns:r="http://schemas.openxmlformats.org/officeDocument/2006/relationships" xmlns:p="http://schemas.openxmlformats.org/presentationml/2006/main">
   <p:cSld>
@@ -10584,7 +10765,10 @@
           <a:bodyPr/>
           <a:lstStyle/>
           <a:p>
-            <a:endParaRPr lang="en-US"/>
+            <a:r>
+              <a:rPr lang="en-US" dirty="0"/>
+              <a:t>Solution justification</a:t>
+            </a:r>
           </a:p>
         </p:txBody>
       </p:sp>
@@ -10617,6 +10801,338 @@
     <p:extLst>
       <p:ext uri="{BB962C8B-B14F-4D97-AF65-F5344CB8AC3E}">
         <p14:creationId xmlns:p14="http://schemas.microsoft.com/office/powerpoint/2010/main" val="137540016"/>
+      </p:ext>
+    </p:extLst>
+  </p:cSld>
+  <p:clrMapOvr>
+    <a:masterClrMapping/>
+  </p:clrMapOvr>
+</p:sld>
+</file>
+
+<file path=ppt/slides/slide6.xml><?xml version="1.0" encoding="utf-8"?>
+<p:sld xmlns:a="http://schemas.openxmlformats.org/drawingml/2006/main" xmlns:r="http://schemas.openxmlformats.org/officeDocument/2006/relationships" xmlns:p="http://schemas.openxmlformats.org/presentationml/2006/main">
+  <p:cSld>
+    <p:spTree>
+      <p:nvGrpSpPr>
+        <p:cNvPr id="1" name=""/>
+        <p:cNvGrpSpPr/>
+        <p:nvPr/>
+      </p:nvGrpSpPr>
+      <p:grpSpPr>
+        <a:xfrm>
+          <a:off x="0" y="0"/>
+          <a:ext cx="0" cy="0"/>
+          <a:chOff x="0" y="0"/>
+          <a:chExt cx="0" cy="0"/>
+        </a:xfrm>
+      </p:grpSpPr>
+      <p:sp>
+        <p:nvSpPr>
+          <p:cNvPr id="2" name="Title 1">
+            <a:extLst>
+              <a:ext uri="{FF2B5EF4-FFF2-40B4-BE49-F238E27FC236}">
+                <a16:creationId xmlns:a16="http://schemas.microsoft.com/office/drawing/2014/main" id="{FB770423-B844-0E4B-8C1F-F8A5FBD1AC7A}"/>
+              </a:ext>
+            </a:extLst>
+          </p:cNvPr>
+          <p:cNvSpPr>
+            <a:spLocks noGrp="1"/>
+          </p:cNvSpPr>
+          <p:nvPr>
+            <p:ph type="title"/>
+          </p:nvPr>
+        </p:nvSpPr>
+        <p:spPr/>
+        <p:txBody>
+          <a:bodyPr/>
+          <a:lstStyle/>
+          <a:p>
+            <a:r>
+              <a:rPr lang="en-US" dirty="0"/>
+              <a:t>Market limitation</a:t>
+            </a:r>
+          </a:p>
+        </p:txBody>
+      </p:sp>
+      <p:sp>
+        <p:nvSpPr>
+          <p:cNvPr id="3" name="Content Placeholder 2">
+            <a:extLst>
+              <a:ext uri="{FF2B5EF4-FFF2-40B4-BE49-F238E27FC236}">
+                <a16:creationId xmlns:a16="http://schemas.microsoft.com/office/drawing/2014/main" id="{1720EC8C-F0F1-F248-9BE3-125DD3498BE3}"/>
+              </a:ext>
+            </a:extLst>
+          </p:cNvPr>
+          <p:cNvSpPr>
+            <a:spLocks noGrp="1"/>
+          </p:cNvSpPr>
+          <p:nvPr>
+            <p:ph idx="1"/>
+          </p:nvPr>
+        </p:nvSpPr>
+        <p:spPr/>
+        <p:txBody>
+          <a:bodyPr/>
+          <a:lstStyle/>
+          <a:p>
+            <a:endParaRPr lang="en-US"/>
+          </a:p>
+        </p:txBody>
+      </p:sp>
+    </p:spTree>
+    <p:extLst>
+      <p:ext uri="{BB962C8B-B14F-4D97-AF65-F5344CB8AC3E}">
+        <p14:creationId xmlns:p14="http://schemas.microsoft.com/office/powerpoint/2010/main" val="333492362"/>
+      </p:ext>
+    </p:extLst>
+  </p:cSld>
+  <p:clrMapOvr>
+    <a:masterClrMapping/>
+  </p:clrMapOvr>
+</p:sld>
+</file>
+
+<file path=ppt/slides/slide7.xml><?xml version="1.0" encoding="utf-8"?>
+<p:sld xmlns:a="http://schemas.openxmlformats.org/drawingml/2006/main" xmlns:r="http://schemas.openxmlformats.org/officeDocument/2006/relationships" xmlns:p="http://schemas.openxmlformats.org/presentationml/2006/main">
+  <p:cSld>
+    <p:spTree>
+      <p:nvGrpSpPr>
+        <p:cNvPr id="1" name=""/>
+        <p:cNvGrpSpPr/>
+        <p:nvPr/>
+      </p:nvGrpSpPr>
+      <p:grpSpPr>
+        <a:xfrm>
+          <a:off x="0" y="0"/>
+          <a:ext cx="0" cy="0"/>
+          <a:chOff x="0" y="0"/>
+          <a:chExt cx="0" cy="0"/>
+        </a:xfrm>
+      </p:grpSpPr>
+      <p:sp>
+        <p:nvSpPr>
+          <p:cNvPr id="2" name="Title 1">
+            <a:extLst>
+              <a:ext uri="{FF2B5EF4-FFF2-40B4-BE49-F238E27FC236}">
+                <a16:creationId xmlns:a16="http://schemas.microsoft.com/office/drawing/2014/main" id="{051F0040-B05B-9344-BDD9-194088D3EB9B}"/>
+              </a:ext>
+            </a:extLst>
+          </p:cNvPr>
+          <p:cNvSpPr>
+            <a:spLocks noGrp="1"/>
+          </p:cNvSpPr>
+          <p:nvPr>
+            <p:ph type="title"/>
+          </p:nvPr>
+        </p:nvSpPr>
+        <p:spPr/>
+        <p:txBody>
+          <a:bodyPr/>
+          <a:lstStyle/>
+          <a:p>
+            <a:r>
+              <a:rPr lang="en-US" dirty="0"/>
+              <a:t>Target market </a:t>
+            </a:r>
+          </a:p>
+        </p:txBody>
+      </p:sp>
+      <p:sp>
+        <p:nvSpPr>
+          <p:cNvPr id="3" name="Content Placeholder 2">
+            <a:extLst>
+              <a:ext uri="{FF2B5EF4-FFF2-40B4-BE49-F238E27FC236}">
+                <a16:creationId xmlns:a16="http://schemas.microsoft.com/office/drawing/2014/main" id="{DF6AA163-DB48-2142-931C-546C06144F48}"/>
+              </a:ext>
+            </a:extLst>
+          </p:cNvPr>
+          <p:cNvSpPr>
+            <a:spLocks noGrp="1"/>
+          </p:cNvSpPr>
+          <p:nvPr>
+            <p:ph idx="1"/>
+          </p:nvPr>
+        </p:nvSpPr>
+        <p:spPr/>
+        <p:txBody>
+          <a:bodyPr/>
+          <a:lstStyle/>
+          <a:p>
+            <a:endParaRPr lang="en-US"/>
+          </a:p>
+        </p:txBody>
+      </p:sp>
+    </p:spTree>
+    <p:extLst>
+      <p:ext uri="{BB962C8B-B14F-4D97-AF65-F5344CB8AC3E}">
+        <p14:creationId xmlns:p14="http://schemas.microsoft.com/office/powerpoint/2010/main" val="1007954622"/>
+      </p:ext>
+    </p:extLst>
+  </p:cSld>
+  <p:clrMapOvr>
+    <a:masterClrMapping/>
+  </p:clrMapOvr>
+</p:sld>
+</file>
+
+<file path=ppt/slides/slide8.xml><?xml version="1.0" encoding="utf-8"?>
+<p:sld xmlns:a="http://schemas.openxmlformats.org/drawingml/2006/main" xmlns:r="http://schemas.openxmlformats.org/officeDocument/2006/relationships" xmlns:p="http://schemas.openxmlformats.org/presentationml/2006/main">
+  <p:cSld>
+    <p:spTree>
+      <p:nvGrpSpPr>
+        <p:cNvPr id="1" name=""/>
+        <p:cNvGrpSpPr/>
+        <p:nvPr/>
+      </p:nvGrpSpPr>
+      <p:grpSpPr>
+        <a:xfrm>
+          <a:off x="0" y="0"/>
+          <a:ext cx="0" cy="0"/>
+          <a:chOff x="0" y="0"/>
+          <a:chExt cx="0" cy="0"/>
+        </a:xfrm>
+      </p:grpSpPr>
+      <p:sp>
+        <p:nvSpPr>
+          <p:cNvPr id="2" name="Title 1">
+            <a:extLst>
+              <a:ext uri="{FF2B5EF4-FFF2-40B4-BE49-F238E27FC236}">
+                <a16:creationId xmlns:a16="http://schemas.microsoft.com/office/drawing/2014/main" id="{23893865-7AEB-7748-B375-A62FF3E166AE}"/>
+              </a:ext>
+            </a:extLst>
+          </p:cNvPr>
+          <p:cNvSpPr>
+            <a:spLocks noGrp="1"/>
+          </p:cNvSpPr>
+          <p:nvPr>
+            <p:ph type="title"/>
+          </p:nvPr>
+        </p:nvSpPr>
+        <p:spPr/>
+        <p:txBody>
+          <a:bodyPr/>
+          <a:lstStyle/>
+          <a:p>
+            <a:r>
+              <a:rPr lang="en-US" dirty="0"/>
+              <a:t>Business Model/Money making points</a:t>
+            </a:r>
+          </a:p>
+        </p:txBody>
+      </p:sp>
+      <p:sp>
+        <p:nvSpPr>
+          <p:cNvPr id="3" name="Content Placeholder 2">
+            <a:extLst>
+              <a:ext uri="{FF2B5EF4-FFF2-40B4-BE49-F238E27FC236}">
+                <a16:creationId xmlns:a16="http://schemas.microsoft.com/office/drawing/2014/main" id="{F4598C82-3867-1B42-A4CE-A506366BC0F3}"/>
+              </a:ext>
+            </a:extLst>
+          </p:cNvPr>
+          <p:cNvSpPr>
+            <a:spLocks noGrp="1"/>
+          </p:cNvSpPr>
+          <p:nvPr>
+            <p:ph idx="1"/>
+          </p:nvPr>
+        </p:nvSpPr>
+        <p:spPr/>
+        <p:txBody>
+          <a:bodyPr/>
+          <a:lstStyle/>
+          <a:p>
+            <a:endParaRPr lang="en-US"/>
+          </a:p>
+        </p:txBody>
+      </p:sp>
+    </p:spTree>
+    <p:extLst>
+      <p:ext uri="{BB962C8B-B14F-4D97-AF65-F5344CB8AC3E}">
+        <p14:creationId xmlns:p14="http://schemas.microsoft.com/office/powerpoint/2010/main" val="1128195964"/>
+      </p:ext>
+    </p:extLst>
+  </p:cSld>
+  <p:clrMapOvr>
+    <a:masterClrMapping/>
+  </p:clrMapOvr>
+</p:sld>
+</file>
+
+<file path=ppt/slides/slide9.xml><?xml version="1.0" encoding="utf-8"?>
+<p:sld xmlns:a="http://schemas.openxmlformats.org/drawingml/2006/main" xmlns:r="http://schemas.openxmlformats.org/officeDocument/2006/relationships" xmlns:p="http://schemas.openxmlformats.org/presentationml/2006/main">
+  <p:cSld>
+    <p:spTree>
+      <p:nvGrpSpPr>
+        <p:cNvPr id="1" name=""/>
+        <p:cNvGrpSpPr/>
+        <p:nvPr/>
+      </p:nvGrpSpPr>
+      <p:grpSpPr>
+        <a:xfrm>
+          <a:off x="0" y="0"/>
+          <a:ext cx="0" cy="0"/>
+          <a:chOff x="0" y="0"/>
+          <a:chExt cx="0" cy="0"/>
+        </a:xfrm>
+      </p:grpSpPr>
+      <p:sp>
+        <p:nvSpPr>
+          <p:cNvPr id="2" name="Title 1">
+            <a:extLst>
+              <a:ext uri="{FF2B5EF4-FFF2-40B4-BE49-F238E27FC236}">
+                <a16:creationId xmlns:a16="http://schemas.microsoft.com/office/drawing/2014/main" id="{9064957A-9D44-5542-A1E2-134F7E5B655E}"/>
+              </a:ext>
+            </a:extLst>
+          </p:cNvPr>
+          <p:cNvSpPr>
+            <a:spLocks noGrp="1"/>
+          </p:cNvSpPr>
+          <p:nvPr>
+            <p:ph type="title"/>
+          </p:nvPr>
+        </p:nvSpPr>
+        <p:spPr/>
+        <p:txBody>
+          <a:bodyPr/>
+          <a:lstStyle/>
+          <a:p>
+            <a:r>
+              <a:rPr lang="en-US" dirty="0"/>
+              <a:t>Team members selections and contribution</a:t>
+            </a:r>
+          </a:p>
+        </p:txBody>
+      </p:sp>
+      <p:sp>
+        <p:nvSpPr>
+          <p:cNvPr id="3" name="Content Placeholder 2">
+            <a:extLst>
+              <a:ext uri="{FF2B5EF4-FFF2-40B4-BE49-F238E27FC236}">
+                <a16:creationId xmlns:a16="http://schemas.microsoft.com/office/drawing/2014/main" id="{30A2AA89-D7C2-E943-8498-CBFB6C8EAC3B}"/>
+              </a:ext>
+            </a:extLst>
+          </p:cNvPr>
+          <p:cNvSpPr>
+            <a:spLocks noGrp="1"/>
+          </p:cNvSpPr>
+          <p:nvPr>
+            <p:ph idx="1"/>
+          </p:nvPr>
+        </p:nvSpPr>
+        <p:spPr/>
+        <p:txBody>
+          <a:bodyPr/>
+          <a:lstStyle/>
+          <a:p>
+            <a:endParaRPr lang="en-US"/>
+          </a:p>
+        </p:txBody>
+      </p:sp>
+    </p:spTree>
+    <p:extLst>
+      <p:ext uri="{BB962C8B-B14F-4D97-AF65-F5344CB8AC3E}">
+        <p14:creationId xmlns:p14="http://schemas.microsoft.com/office/powerpoint/2010/main" val="2328659436"/>
       </p:ext>
     </p:extLst>
   </p:cSld>

--- a/Presentation1.pptx
+++ b/Presentation1.pptx
@@ -9869,14 +9869,14 @@
           <a:lstStyle/>
           <a:p>
             <a:r>
-              <a:rPr lang="en-US" sz="1700"/>
+              <a:rPr lang="en-US" sz="1700" dirty="0"/>
               <a:t>Team Ninja</a:t>
             </a:r>
           </a:p>
           <a:p>
             <a:r>
-              <a:rPr lang="en-US" sz="1700"/>
-              <a:t>Supervised by Pei Young</a:t>
+              <a:rPr lang="en-US" sz="1700" dirty="0"/>
+              <a:t>Supervised by Professor Pei Young</a:t>
             </a:r>
           </a:p>
         </p:txBody>
@@ -10189,11 +10189,7 @@
           <a:p>
             <a:r>
               <a:rPr lang="en-US" dirty="0"/>
-              <a:t>Tools used </a:t>
-            </a:r>
-            <a:r>
-              <a:rPr lang="en-US"/>
-              <a:t>for the team</a:t>
+              <a:t>Tools used for the team</a:t>
             </a:r>
           </a:p>
         </p:txBody>

--- a/Presentation1.pptx
+++ b/Presentation1.pptx
@@ -686,7 +686,7 @@
           <a:p>
             <a:fld id="{D6D0F569-AC90-44EB-9EF4-4E5C2F5D823C}" type="datetime1">
               <a:rPr lang="en-US" smtClean="0"/>
-              <a:t>9/5/21</a:t>
+              <a:t>9/7/2021</a:t>
             </a:fld>
             <a:endParaRPr lang="en-US" dirty="0"/>
           </a:p>
@@ -1363,7 +1363,7 @@
           <a:p>
             <a:fld id="{46BA7D41-E8B7-4A0B-B861-3EC4AE88917D}" type="datetime1">
               <a:rPr lang="en-US" smtClean="0"/>
-              <a:t>9/5/21</a:t>
+              <a:t>9/7/2021</a:t>
             </a:fld>
             <a:endParaRPr lang="en-US" dirty="0"/>
           </a:p>
@@ -2050,7 +2050,7 @@
           <a:p>
             <a:fld id="{A7C34823-0B19-4B4E-A643-7A3B0A3D24D6}" type="datetime1">
               <a:rPr lang="en-US" smtClean="0"/>
-              <a:t>9/5/21</a:t>
+              <a:t>9/7/2021</a:t>
             </a:fld>
             <a:endParaRPr lang="en-US" dirty="0"/>
           </a:p>
@@ -2730,7 +2730,7 @@
           <a:p>
             <a:fld id="{8C2D79EF-17C8-45D8-9866-DAF5723FC604}" type="datetime1">
               <a:rPr lang="en-US" smtClean="0"/>
-              <a:t>9/5/21</a:t>
+              <a:t>9/7/2021</a:t>
             </a:fld>
             <a:endParaRPr lang="en-US" dirty="0"/>
           </a:p>
@@ -3484,7 +3484,7 @@
           <a:p>
             <a:fld id="{DFFC2ADC-3680-4013-A757-E4663495DB98}" type="datetime1">
               <a:rPr lang="en-US" smtClean="0"/>
-              <a:t>9/5/21</a:t>
+              <a:t>9/7/2021</a:t>
             </a:fld>
             <a:endParaRPr lang="en-US" dirty="0"/>
           </a:p>
@@ -4228,7 +4228,7 @@
           <a:p>
             <a:fld id="{4751BA94-5DCA-4F19-960F-0FB2BD5EE85A}" type="datetime1">
               <a:rPr lang="en-US" smtClean="0"/>
-              <a:t>9/5/21</a:t>
+              <a:t>9/7/2021</a:t>
             </a:fld>
             <a:endParaRPr lang="en-US" dirty="0"/>
           </a:p>
@@ -5119,7 +5119,7 @@
           <a:p>
             <a:fld id="{01BED947-38D9-44AC-8B89-E79758333B77}" type="datetime1">
               <a:rPr lang="en-US" smtClean="0"/>
-              <a:t>9/5/21</a:t>
+              <a:t>9/7/2021</a:t>
             </a:fld>
             <a:endParaRPr lang="en-US" dirty="0"/>
           </a:p>
@@ -5739,7 +5739,7 @@
           <a:p>
             <a:fld id="{3781E23F-BD3C-4F23-B116-2B758120C8AC}" type="datetime1">
               <a:rPr lang="en-US" smtClean="0"/>
-              <a:t>9/5/21</a:t>
+              <a:t>9/7/2021</a:t>
             </a:fld>
             <a:endParaRPr lang="en-US" dirty="0"/>
           </a:p>
@@ -6331,7 +6331,7 @@
           <a:p>
             <a:fld id="{473CFAA9-6D59-4D98-869E-ACBDB83B2CA4}" type="datetime1">
               <a:rPr lang="en-US" smtClean="0"/>
-              <a:t>9/5/21</a:t>
+              <a:t>9/7/2021</a:t>
             </a:fld>
             <a:endParaRPr lang="en-US"/>
           </a:p>
@@ -7121,7 +7121,7 @@
           <a:p>
             <a:fld id="{DC410804-27E3-430A-BB42-B831260DE39A}" type="datetime1">
               <a:rPr lang="en-US" smtClean="0"/>
-              <a:t>9/5/21</a:t>
+              <a:t>9/7/2021</a:t>
             </a:fld>
             <a:endParaRPr lang="en-US" dirty="0"/>
           </a:p>
@@ -7891,7 +7891,7 @@
           <a:p>
             <a:fld id="{60E22DE3-3D1A-4D53-B9A6-6C7463B8C992}" type="datetime1">
               <a:rPr lang="en-US" smtClean="0"/>
-              <a:t>9/5/21</a:t>
+              <a:t>9/7/2021</a:t>
             </a:fld>
             <a:endParaRPr lang="en-US" dirty="0"/>
           </a:p>
@@ -8200,7 +8200,7 @@
             <a:fld id="{5ECD8B30-1B71-45A1-8314-D59C86F581E1}" type="datetime1">
               <a:rPr lang="en-US" smtClean="0"/>
               <a:pPr/>
-              <a:t>9/5/21</a:t>
+              <a:t>9/7/2021</a:t>
             </a:fld>
             <a:endParaRPr lang="en-US" b="1" dirty="0"/>
           </a:p>
@@ -11035,10 +11035,38 @@
         </p:nvSpPr>
         <p:spPr/>
         <p:txBody>
-          <a:bodyPr/>
+          <a:bodyPr>
+            <a:normAutofit fontScale="85000" lnSpcReduction="10000"/>
+          </a:bodyPr>
           <a:lstStyle/>
           <a:p>
-            <a:endParaRPr lang="en-US"/>
+            <a:r>
+              <a:rPr lang="en-US" dirty="0"/>
+              <a:t>Providing a  solid solution that fits to our targeted audience, and by delivering the type of service that this solution provides to help with addressing the busy schedule of the family members, many of our customers would be obliged to sign up for a paid version after a promotional period of free-trial to test the app.</a:t>
+            </a:r>
+          </a:p>
+          <a:p>
+            <a:r>
+              <a:rPr lang="en-US" dirty="0"/>
+              <a:t>Our money-making subscription would be very much affordable and could be as cheap as $99 a family where we can bring more members to the application to make more money.</a:t>
+            </a:r>
+          </a:p>
+          <a:p>
+            <a:r>
+              <a:rPr lang="en-US" dirty="0"/>
+              <a:t>Having lower subscription cost can give an assurance to our users and with this reasonable rate and helpful, managing features that we offer, we can satisfy our users’ needs and help them to make a choice for a long-term subscription.</a:t>
+            </a:r>
+          </a:p>
+          <a:p>
+            <a:r>
+              <a:rPr lang="en-US" dirty="0"/>
+              <a:t>The users of the Family App will be given a 30 day trial period which would include all the features. After the trail period expires, they can opt for the paid version to continue enjoy all the perks and features offered y </a:t>
+            </a:r>
+            <a:r>
+              <a:rPr lang="en-US"/>
+              <a:t>the Family App.</a:t>
+            </a:r>
+            <a:endParaRPr lang="en-US" dirty="0"/>
           </a:p>
         </p:txBody>
       </p:sp>

--- a/Presentation1.pptx
+++ b/Presentation1.pptx
@@ -686,7 +686,7 @@
           <a:p>
             <a:fld id="{D6D0F569-AC90-44EB-9EF4-4E5C2F5D823C}" type="datetime1">
               <a:rPr lang="en-US" smtClean="0"/>
-              <a:t>9/7/2021</a:t>
+              <a:t>9/8/21</a:t>
             </a:fld>
             <a:endParaRPr lang="en-US" dirty="0"/>
           </a:p>
@@ -1363,7 +1363,7 @@
           <a:p>
             <a:fld id="{46BA7D41-E8B7-4A0B-B861-3EC4AE88917D}" type="datetime1">
               <a:rPr lang="en-US" smtClean="0"/>
-              <a:t>9/7/2021</a:t>
+              <a:t>9/8/21</a:t>
             </a:fld>
             <a:endParaRPr lang="en-US" dirty="0"/>
           </a:p>
@@ -2050,7 +2050,7 @@
           <a:p>
             <a:fld id="{A7C34823-0B19-4B4E-A643-7A3B0A3D24D6}" type="datetime1">
               <a:rPr lang="en-US" smtClean="0"/>
-              <a:t>9/7/2021</a:t>
+              <a:t>9/8/21</a:t>
             </a:fld>
             <a:endParaRPr lang="en-US" dirty="0"/>
           </a:p>
@@ -2730,7 +2730,7 @@
           <a:p>
             <a:fld id="{8C2D79EF-17C8-45D8-9866-DAF5723FC604}" type="datetime1">
               <a:rPr lang="en-US" smtClean="0"/>
-              <a:t>9/7/2021</a:t>
+              <a:t>9/8/21</a:t>
             </a:fld>
             <a:endParaRPr lang="en-US" dirty="0"/>
           </a:p>
@@ -3484,7 +3484,7 @@
           <a:p>
             <a:fld id="{DFFC2ADC-3680-4013-A757-E4663495DB98}" type="datetime1">
               <a:rPr lang="en-US" smtClean="0"/>
-              <a:t>9/7/2021</a:t>
+              <a:t>9/8/21</a:t>
             </a:fld>
             <a:endParaRPr lang="en-US" dirty="0"/>
           </a:p>
@@ -4228,7 +4228,7 @@
           <a:p>
             <a:fld id="{4751BA94-5DCA-4F19-960F-0FB2BD5EE85A}" type="datetime1">
               <a:rPr lang="en-US" smtClean="0"/>
-              <a:t>9/7/2021</a:t>
+              <a:t>9/8/21</a:t>
             </a:fld>
             <a:endParaRPr lang="en-US" dirty="0"/>
           </a:p>
@@ -5119,7 +5119,7 @@
           <a:p>
             <a:fld id="{01BED947-38D9-44AC-8B89-E79758333B77}" type="datetime1">
               <a:rPr lang="en-US" smtClean="0"/>
-              <a:t>9/7/2021</a:t>
+              <a:t>9/8/21</a:t>
             </a:fld>
             <a:endParaRPr lang="en-US" dirty="0"/>
           </a:p>
@@ -5739,7 +5739,7 @@
           <a:p>
             <a:fld id="{3781E23F-BD3C-4F23-B116-2B758120C8AC}" type="datetime1">
               <a:rPr lang="en-US" smtClean="0"/>
-              <a:t>9/7/2021</a:t>
+              <a:t>9/8/21</a:t>
             </a:fld>
             <a:endParaRPr lang="en-US" dirty="0"/>
           </a:p>
@@ -6331,7 +6331,7 @@
           <a:p>
             <a:fld id="{473CFAA9-6D59-4D98-869E-ACBDB83B2CA4}" type="datetime1">
               <a:rPr lang="en-US" smtClean="0"/>
-              <a:t>9/7/2021</a:t>
+              <a:t>9/8/21</a:t>
             </a:fld>
             <a:endParaRPr lang="en-US"/>
           </a:p>
@@ -7121,7 +7121,7 @@
           <a:p>
             <a:fld id="{DC410804-27E3-430A-BB42-B831260DE39A}" type="datetime1">
               <a:rPr lang="en-US" smtClean="0"/>
-              <a:t>9/7/2021</a:t>
+              <a:t>9/8/21</a:t>
             </a:fld>
             <a:endParaRPr lang="en-US" dirty="0"/>
           </a:p>
@@ -7891,7 +7891,7 @@
           <a:p>
             <a:fld id="{60E22DE3-3D1A-4D53-B9A6-6C7463B8C992}" type="datetime1">
               <a:rPr lang="en-US" smtClean="0"/>
-              <a:t>9/7/2021</a:t>
+              <a:t>9/8/21</a:t>
             </a:fld>
             <a:endParaRPr lang="en-US" dirty="0"/>
           </a:p>
@@ -8200,7 +8200,7 @@
             <a:fld id="{5ECD8B30-1B71-45A1-8314-D59C86F581E1}" type="datetime1">
               <a:rPr lang="en-US" smtClean="0"/>
               <a:pPr/>
-              <a:t>9/7/2021</a:t>
+              <a:t>9/8/21</a:t>
             </a:fld>
             <a:endParaRPr lang="en-US" b="1" dirty="0"/>
           </a:p>
@@ -11048,7 +11048,15 @@
           <a:p>
             <a:r>
               <a:rPr lang="en-US" dirty="0"/>
-              <a:t>Our money-making subscription would be very much affordable and could be as cheap as $99 a family where we can bring more members to the application to make more money.</a:t>
+              <a:t>Our money-making subscription would be very much affordable and could be as cheap </a:t>
+            </a:r>
+            <a:r>
+              <a:rPr lang="en-US"/>
+              <a:t>as $0.99 </a:t>
+            </a:r>
+            <a:r>
+              <a:rPr lang="en-US" dirty="0"/>
+              <a:t>a family where we can bring more members to the application to make more money.</a:t>
             </a:r>
           </a:p>
           <a:p>
@@ -11060,13 +11068,8 @@
           <a:p>
             <a:r>
               <a:rPr lang="en-US" dirty="0"/>
-              <a:t>The users of the Family App will be given a 30 day trial period which would include all the features. After the trail period expires, they can opt for the paid version to continue enjoy all the perks and features offered y </a:t>
-            </a:r>
-            <a:r>
-              <a:rPr lang="en-US"/>
-              <a:t>the Family App.</a:t>
-            </a:r>
-            <a:endParaRPr lang="en-US" dirty="0"/>
+              <a:t>The users of the Family App will be given a 30 day trial period which would include all the features. After the trail period expires, they can opt for the paid version to continue enjoy all the perks and features offered y the Family App.</a:t>
+            </a:r>
           </a:p>
         </p:txBody>
       </p:sp>

--- a/Presentation1.pptx
+++ b/Presentation1.pptx
@@ -10215,7 +10215,50 @@
           <a:bodyPr/>
           <a:lstStyle/>
           <a:p>
-            <a:endParaRPr lang="en-US"/>
+            <a:r>
+              <a:rPr lang="en-US" dirty="0"/>
+              <a:t>Microsoft Teams and outlook email for communication between team members.</a:t>
+            </a:r>
+          </a:p>
+          <a:p>
+            <a:r>
+              <a:rPr lang="en-US" dirty="0"/>
+              <a:t> </a:t>
+            </a:r>
+            <a:r>
+              <a:rPr lang="en-US" dirty="0" err="1"/>
+              <a:t>Github</a:t>
+            </a:r>
+            <a:r>
+              <a:rPr lang="en-US" dirty="0"/>
+              <a:t> used for version control ,wiki, and documentation. We are planning to elevate git options for CI/CD pipelines deployment and unit/integration testing.</a:t>
+            </a:r>
+          </a:p>
+          <a:p>
+            <a:r>
+              <a:rPr lang="en-US" dirty="0"/>
+              <a:t>We are using </a:t>
+            </a:r>
+            <a:r>
+              <a:rPr lang="en-US" dirty="0" err="1"/>
+              <a:t>intellij</a:t>
+            </a:r>
+            <a:r>
+              <a:rPr lang="en-US" dirty="0"/>
+              <a:t>-idea as an IDE for development. </a:t>
+            </a:r>
+          </a:p>
+          <a:p>
+            <a:r>
+              <a:rPr lang="en-US" dirty="0"/>
+              <a:t>Java 11 JDK, angular 9, Node.</a:t>
+            </a:r>
+          </a:p>
+          <a:p>
+            <a:r>
+              <a:rPr lang="en-US" dirty="0"/>
+              <a:t>HTML, CSS.</a:t>
+            </a:r>
           </a:p>
         </p:txBody>
       </p:sp>
@@ -10789,7 +10832,7 @@
           <a:bodyPr/>
           <a:lstStyle/>
           <a:p>
-            <a:endParaRPr lang="en-US"/>
+            <a:endParaRPr lang="en-US" dirty="0"/>
           </a:p>
         </p:txBody>
       </p:sp>
@@ -11048,15 +11091,7 @@
           <a:p>
             <a:r>
               <a:rPr lang="en-US" dirty="0"/>
-              <a:t>Our money-making subscription would be very much affordable and could be as cheap </a:t>
-            </a:r>
-            <a:r>
-              <a:rPr lang="en-US"/>
-              <a:t>as $0.99 </a:t>
-            </a:r>
-            <a:r>
-              <a:rPr lang="en-US" dirty="0"/>
-              <a:t>a family where we can bring more members to the application to make more money.</a:t>
+              <a:t>Our money-making subscription would be very much affordable and could be as cheap as $0.99 a family where we can bring more members to the application to make more money.</a:t>
             </a:r>
           </a:p>
           <a:p>

--- a/Presentation1.pptx
+++ b/Presentation1.pptx
@@ -10832,7 +10832,22 @@
           <a:bodyPr/>
           <a:lstStyle/>
           <a:p>
-            <a:endParaRPr lang="en-US" dirty="0"/>
+            <a:r>
+              <a:rPr lang="en-US" dirty="0"/>
+              <a:t>The solution is going to focus mainly on providing a solution that the user is convinced of using.</a:t>
+            </a:r>
+          </a:p>
+          <a:p>
+            <a:r>
+              <a:rPr lang="en-US" dirty="0"/>
+              <a:t>We are trying to provide a feature rich solution that is not provided by the only competitor.</a:t>
+            </a:r>
+          </a:p>
+          <a:p>
+            <a:r>
+              <a:rPr lang="en-US" dirty="0"/>
+              <a:t>Using a web-based application ( not phone app ) is going to be an advantage where users can access the app while working on their laptop. The application can be accessible from phones on phone browser.  </a:t>
+            </a:r>
           </a:p>
         </p:txBody>
       </p:sp>

--- a/Presentation1.pptx
+++ b/Presentation1.pptx
@@ -10849,6 +10849,12 @@
               <a:t>Using a web-based application ( not phone app ) is going to be an advantage where users can access the app while working on their laptop. The application can be accessible from phones on phone browser.  </a:t>
             </a:r>
           </a:p>
+          <a:p>
+            <a:r>
+              <a:rPr lang="en-US" dirty="0"/>
+              <a:t>There is a good number  of app searches for a family app.</a:t>
+            </a:r>
+          </a:p>
         </p:txBody>
       </p:sp>
     </p:spTree>

--- a/Presentation1.pptx
+++ b/Presentation1.pptx
@@ -10132,7 +10132,32 @@
           <a:bodyPr/>
           <a:lstStyle/>
           <a:p>
-            <a:endParaRPr lang="en-US"/>
+            <a:r>
+              <a:rPr lang="en-US" dirty="0"/>
+              <a:t>Create a team.</a:t>
+            </a:r>
+          </a:p>
+          <a:p>
+            <a:r>
+              <a:rPr lang="en-US" dirty="0"/>
+              <a:t>Create a list of key features.</a:t>
+            </a:r>
+          </a:p>
+          <a:p>
+            <a:r>
+              <a:rPr lang="en-US" dirty="0"/>
+              <a:t>Design and document the over all macro level design.</a:t>
+            </a:r>
+          </a:p>
+          <a:p>
+            <a:r>
+              <a:rPr lang="en-US" dirty="0"/>
+              <a:t>Build feature by feature in an </a:t>
+            </a:r>
+            <a:r>
+              <a:rPr lang="en-US"/>
+              <a:t>agile environment.</a:t>
+            </a:r>
           </a:p>
         </p:txBody>
       </p:sp>
@@ -10936,7 +10961,30 @@
           <a:bodyPr/>
           <a:lstStyle/>
           <a:p>
-            <a:endParaRPr lang="en-US"/>
+            <a:r>
+              <a:rPr lang="en-US" dirty="0"/>
+              <a:t>There is no App currently in the market </a:t>
+            </a:r>
+            <a:r>
+              <a:rPr lang="en-US" b="1" dirty="0"/>
+              <a:t>Solves the complex question of managing the family.</a:t>
+            </a:r>
+          </a:p>
+          <a:p>
+            <a:r>
+              <a:rPr lang="en-US" dirty="0"/>
+              <a:t>There is a significant number of </a:t>
+            </a:r>
+            <a:r>
+              <a:rPr lang="en-US" b="1" dirty="0"/>
+              <a:t>Searches and Lookups for Family App</a:t>
+            </a:r>
+          </a:p>
+          <a:p>
+            <a:r>
+              <a:rPr lang="en-US" dirty="0"/>
+              <a:t>The family App is going to be a web APP not a mobile app, all family related applications in the marked are phone apps.</a:t>
+            </a:r>
           </a:p>
         </p:txBody>
       </p:sp>
@@ -11019,7 +11067,28 @@
           <a:bodyPr/>
           <a:lstStyle/>
           <a:p>
-            <a:endParaRPr lang="en-US"/>
+            <a:r>
+              <a:rPr lang="en-US" dirty="0"/>
+              <a:t>Families with All Sizes.</a:t>
+            </a:r>
+          </a:p>
+          <a:p>
+            <a:r>
+              <a:rPr lang="en-US" dirty="0"/>
+              <a:t>Workplaces can use this application to plan on a department level.</a:t>
+            </a:r>
+          </a:p>
+          <a:p>
+            <a:r>
+              <a:rPr lang="en-US" dirty="0"/>
+              <a:t>Roommates and close group of friends can use this app.</a:t>
+            </a:r>
+          </a:p>
+          <a:p>
+            <a:r>
+              <a:rPr lang="en-US" dirty="0"/>
+              <a:t>Soccer/football teams can use this app.</a:t>
+            </a:r>
           </a:p>
         </p:txBody>
       </p:sp>
@@ -11208,7 +11277,90 @@
           <a:bodyPr/>
           <a:lstStyle/>
           <a:p>
-            <a:endParaRPr lang="en-US"/>
+            <a:r>
+              <a:rPr lang="en-US" dirty="0"/>
+              <a:t>Sai Teja </a:t>
+            </a:r>
+            <a:r>
+              <a:rPr lang="en-US" dirty="0" err="1"/>
+              <a:t>Alladi</a:t>
+            </a:r>
+            <a:r>
+              <a:rPr lang="en-US" dirty="0"/>
+              <a:t>  : </a:t>
+            </a:r>
+            <a:r>
+              <a:rPr lang="en-US" dirty="0" err="1"/>
+              <a:t>pationate</a:t>
+            </a:r>
+            <a:r>
+              <a:rPr lang="en-US" dirty="0"/>
+              <a:t> to learn and create an impact. Working on identifying key areas related to UI/UX.</a:t>
+            </a:r>
+          </a:p>
+          <a:p>
+            <a:r>
+              <a:rPr lang="en-US" dirty="0" err="1"/>
+              <a:t>Snigdha</a:t>
+            </a:r>
+            <a:r>
+              <a:rPr lang="en-US" dirty="0"/>
+              <a:t> </a:t>
+            </a:r>
+            <a:r>
+              <a:rPr lang="en-US" dirty="0" err="1"/>
+              <a:t>Kalipindi</a:t>
+            </a:r>
+            <a:r>
+              <a:rPr lang="en-US" dirty="0"/>
+              <a:t>: smart and observer. Helping with designing back end database structure.</a:t>
+            </a:r>
+          </a:p>
+          <a:p>
+            <a:r>
+              <a:rPr lang="en-US" dirty="0" err="1"/>
+              <a:t>cassandra</a:t>
+            </a:r>
+            <a:r>
+              <a:rPr lang="en-US" dirty="0"/>
+              <a:t> Mae </a:t>
+            </a:r>
+            <a:r>
+              <a:rPr lang="en-US" dirty="0" err="1"/>
+              <a:t>Chandankumar</a:t>
+            </a:r>
+            <a:r>
+              <a:rPr lang="en-US" dirty="0"/>
+              <a:t> Patel: eager to create an Impact. Can do anything assigned to her.</a:t>
+            </a:r>
+          </a:p>
+          <a:p>
+            <a:r>
+              <a:rPr lang="en-US" dirty="0"/>
+              <a:t>Vamsi Krishna </a:t>
+            </a:r>
+            <a:r>
+              <a:rPr lang="en-US" dirty="0" err="1"/>
+              <a:t>Tummala</a:t>
+            </a:r>
+            <a:r>
+              <a:rPr lang="en-US" dirty="0"/>
+              <a:t>: quick learner and dower, working on key factors design (logo, app name ,.. </a:t>
+            </a:r>
+            <a:r>
+              <a:rPr lang="en-US" dirty="0" err="1"/>
+              <a:t>Etc</a:t>
+            </a:r>
+            <a:r>
+              <a:rPr lang="en-US" dirty="0"/>
+              <a:t>)</a:t>
+            </a:r>
+          </a:p>
+          <a:p>
+            <a:r>
+              <a:rPr lang="en-US" dirty="0"/>
+              <a:t>Khaled Saleh: love to help whenever needed.</a:t>
+            </a:r>
           </a:p>
         </p:txBody>
       </p:sp>

--- a/Presentation1.pptx
+++ b/Presentation1.pptx
@@ -208,7 +208,7 @@
           <a:p>
             <a:fld id="{C924C7E0-0231-BC4D-998C-8579217BF4F3}" type="datetimeFigureOut">
               <a:rPr lang="en-US" smtClean="0"/>
-              <a:t>9/11/21</a:t>
+              <a:t>9/12/2021</a:t>
             </a:fld>
             <a:endParaRPr lang="en-US"/>
           </a:p>
@@ -1345,7 +1345,7 @@
           <a:p>
             <a:fld id="{D6D0F569-AC90-44EB-9EF4-4E5C2F5D823C}" type="datetime1">
               <a:rPr lang="en-US" smtClean="0"/>
-              <a:t>9/8/21</a:t>
+              <a:t>9/12/2021</a:t>
             </a:fld>
             <a:endParaRPr lang="en-US" dirty="0"/>
           </a:p>
@@ -1547,7 +1547,7 @@
           <a:p>
             <a:fld id="{46BA7D41-E8B7-4A0B-B861-3EC4AE88917D}" type="datetime1">
               <a:rPr lang="en-US" smtClean="0"/>
-              <a:t>9/8/21</a:t>
+              <a:t>9/12/2021</a:t>
             </a:fld>
             <a:endParaRPr lang="en-US" dirty="0"/>
           </a:p>
@@ -1759,7 +1759,7 @@
           <a:p>
             <a:fld id="{A7C34823-0B19-4B4E-A643-7A3B0A3D24D6}" type="datetime1">
               <a:rPr lang="en-US" smtClean="0"/>
-              <a:t>9/8/21</a:t>
+              <a:t>9/12/2021</a:t>
             </a:fld>
             <a:endParaRPr lang="en-US" dirty="0"/>
           </a:p>
@@ -1961,7 +1961,7 @@
           <a:p>
             <a:fld id="{8C2D79EF-17C8-45D8-9866-DAF5723FC604}" type="datetime1">
               <a:rPr lang="en-US" smtClean="0"/>
-              <a:t>9/8/21</a:t>
+              <a:t>9/12/2021</a:t>
             </a:fld>
             <a:endParaRPr lang="en-US" dirty="0"/>
           </a:p>
@@ -2240,7 +2240,7 @@
           <a:p>
             <a:fld id="{DFFC2ADC-3680-4013-A757-E4663495DB98}" type="datetime1">
               <a:rPr lang="en-US" smtClean="0"/>
-              <a:t>9/8/21</a:t>
+              <a:t>9/12/2021</a:t>
             </a:fld>
             <a:endParaRPr lang="en-US" dirty="0"/>
           </a:p>
@@ -2509,7 +2509,7 @@
           <a:p>
             <a:fld id="{4751BA94-5DCA-4F19-960F-0FB2BD5EE85A}" type="datetime1">
               <a:rPr lang="en-US" smtClean="0"/>
-              <a:t>9/8/21</a:t>
+              <a:t>9/12/2021</a:t>
             </a:fld>
             <a:endParaRPr lang="en-US" dirty="0"/>
           </a:p>
@@ -2926,7 +2926,7 @@
             <a:fld id="{5ECD8B30-1B71-45A1-8314-D59C86F581E1}" type="datetime1">
               <a:rPr lang="en-US" smtClean="0"/>
               <a:pPr/>
-              <a:t>9/8/21</a:t>
+              <a:t>9/12/2021</a:t>
             </a:fld>
             <a:endParaRPr lang="en-US" b="1" dirty="0"/>
           </a:p>
@@ -3073,7 +3073,7 @@
           <a:p>
             <a:fld id="{3781E23F-BD3C-4F23-B116-2B758120C8AC}" type="datetime1">
               <a:rPr lang="en-US" smtClean="0"/>
-              <a:t>9/8/21</a:t>
+              <a:t>9/12/2021</a:t>
             </a:fld>
             <a:endParaRPr lang="en-US" dirty="0"/>
           </a:p>
@@ -3190,7 +3190,7 @@
           <a:p>
             <a:fld id="{473CFAA9-6D59-4D98-869E-ACBDB83B2CA4}" type="datetime1">
               <a:rPr lang="en-US" smtClean="0"/>
-              <a:t>9/8/21</a:t>
+              <a:t>9/12/2021</a:t>
             </a:fld>
             <a:endParaRPr lang="en-US"/>
           </a:p>
@@ -3505,7 +3505,7 @@
           <a:p>
             <a:fld id="{DC410804-27E3-430A-BB42-B831260DE39A}" type="datetime1">
               <a:rPr lang="en-US" smtClean="0"/>
-              <a:t>9/8/21</a:t>
+              <a:t>9/12/2021</a:t>
             </a:fld>
             <a:endParaRPr lang="en-US" dirty="0"/>
           </a:p>
@@ -3797,7 +3797,7 @@
           <a:p>
             <a:fld id="{60E22DE3-3D1A-4D53-B9A6-6C7463B8C992}" type="datetime1">
               <a:rPr lang="en-US" smtClean="0"/>
-              <a:t>9/8/21</a:t>
+              <a:t>9/12/2021</a:t>
             </a:fld>
             <a:endParaRPr lang="en-US" dirty="0"/>
           </a:p>
@@ -4064,7 +4064,7 @@
             <a:fld id="{5ECD8B30-1B71-45A1-8314-D59C86F581E1}" type="datetime1">
               <a:rPr lang="en-US" smtClean="0"/>
               <a:pPr/>
-              <a:t>9/8/21</a:t>
+              <a:t>9/12/2021</a:t>
             </a:fld>
             <a:endParaRPr lang="en-US" b="1" dirty="0"/>
           </a:p>
@@ -5396,7 +5396,7 @@
           <p:nvPr/>
         </p:nvPicPr>
         <p:blipFill>
-          <a:blip r:embed="rId2"/>
+          <a:blip r:embed="rId4"/>
           <a:stretch>
             <a:fillRect/>
           </a:stretch>
@@ -5405,6 +5405,44 @@
           <a:xfrm>
             <a:off x="9378778" y="4040637"/>
             <a:ext cx="1952839" cy="1754681"/>
+          </a:xfrm>
+          <a:prstGeom prst="rect">
+            <a:avLst/>
+          </a:prstGeom>
+        </p:spPr>
+      </p:pic>
+      <p:pic>
+        <p:nvPicPr>
+          <p:cNvPr id="7" name="Recorded Sound">
+            <a:hlinkClick r:id="" action="ppaction://media"/>
+            <a:extLst>
+              <a:ext uri="{FF2B5EF4-FFF2-40B4-BE49-F238E27FC236}">
+                <a16:creationId xmlns:a16="http://schemas.microsoft.com/office/drawing/2014/main" id="{785B0701-EE78-4C88-A5D2-CFACD0E21FD3}"/>
+              </a:ext>
+            </a:extLst>
+          </p:cNvPr>
+          <p:cNvPicPr>
+            <a:picLocks noChangeAspect="1"/>
+          </p:cNvPicPr>
+          <p:nvPr>
+            <a:audioFile r:link="rId2"/>
+            <p:extLst>
+              <p:ext uri="{DAA4B4D4-6D71-4841-9C94-3DE7FCFB9230}">
+                <p14:media xmlns:p14="http://schemas.microsoft.com/office/powerpoint/2010/main" r:embed="rId1"/>
+              </p:ext>
+            </p:extLst>
+          </p:nvPr>
+        </p:nvPicPr>
+        <p:blipFill>
+          <a:blip r:embed="rId5"/>
+          <a:stretch>
+            <a:fillRect/>
+          </a:stretch>
+        </p:blipFill>
+        <p:spPr>
+          <a:xfrm>
+            <a:off x="5791200" y="3124200"/>
+            <a:ext cx="609600" cy="609600"/>
           </a:xfrm>
           <a:prstGeom prst="rect">
             <a:avLst/>
@@ -5421,6 +5459,90 @@
   <p:clrMapOvr>
     <a:masterClrMapping/>
   </p:clrMapOvr>
+  <p:timing>
+    <p:tnLst>
+      <p:par>
+        <p:cTn id="1" dur="indefinite" restart="never" nodeType="tmRoot">
+          <p:childTnLst>
+            <p:seq concurrent="1" nextAc="seek">
+              <p:cTn id="2" dur="indefinite" nodeType="mainSeq">
+                <p:childTnLst>
+                  <p:par>
+                    <p:cTn id="3" fill="hold">
+                      <p:stCondLst>
+                        <p:cond delay="indefinite"/>
+                      </p:stCondLst>
+                      <p:childTnLst>
+                        <p:par>
+                          <p:cTn id="4" fill="hold">
+                            <p:stCondLst>
+                              <p:cond delay="0"/>
+                            </p:stCondLst>
+                            <p:childTnLst>
+                              <p:par>
+                                <p:cTn id="5" presetID="1" presetClass="mediacall" presetSubtype="0" fill="hold" nodeType="clickEffect">
+                                  <p:stCondLst>
+                                    <p:cond delay="0"/>
+                                  </p:stCondLst>
+                                  <p:childTnLst>
+                                    <p:cmd type="call" cmd="playFrom(0.0)">
+                                      <p:cBhvr>
+                                        <p:cTn id="6" dur="6627" fill="hold"/>
+                                        <p:tgtEl>
+                                          <p:spTgt spid="7"/>
+                                        </p:tgtEl>
+                                      </p:cBhvr>
+                                    </p:cmd>
+                                  </p:childTnLst>
+                                </p:cTn>
+                              </p:par>
+                            </p:childTnLst>
+                          </p:cTn>
+                        </p:par>
+                      </p:childTnLst>
+                    </p:cTn>
+                  </p:par>
+                </p:childTnLst>
+              </p:cTn>
+              <p:prevCondLst>
+                <p:cond evt="onPrev" delay="0">
+                  <p:tgtEl>
+                    <p:sldTgt/>
+                  </p:tgtEl>
+                </p:cond>
+              </p:prevCondLst>
+              <p:nextCondLst>
+                <p:cond evt="onNext" delay="0">
+                  <p:tgtEl>
+                    <p:sldTgt/>
+                  </p:tgtEl>
+                </p:cond>
+              </p:nextCondLst>
+            </p:seq>
+            <p:audio>
+              <p:cMediaNode vol="80000">
+                <p:cTn id="7" fill="hold" display="0">
+                  <p:stCondLst>
+                    <p:cond delay="indefinite"/>
+                  </p:stCondLst>
+                  <p:endCondLst>
+                    <p:cond evt="onStopAudio" delay="0">
+                      <p:tgtEl>
+                        <p:sldTgt/>
+                      </p:tgtEl>
+                    </p:cond>
+                  </p:endCondLst>
+                </p:cTn>
+                <p:tgtEl>
+                  <p:spTgt spid="7"/>
+                </p:tgtEl>
+              </p:cMediaNode>
+            </p:audio>
+          </p:childTnLst>
+        </p:cTn>
+      </p:par>
+    </p:tnLst>
+  </p:timing>
 </p:sld>
 </file>
 
@@ -6106,7 +6228,7 @@
         </p:blipFill>
         <p:spPr>
           <a:xfrm>
-            <a:off x="5689600" y="3022600"/>
+            <a:off x="5682285" y="3022600"/>
             <a:ext cx="812800" cy="812800"/>
           </a:xfrm>
           <a:prstGeom prst="rect">
@@ -7843,32 +7965,11 @@
           </a:p>
           <a:p>
             <a:r>
-              <a:rPr lang="en-US" sz="2000" dirty="0" err="1">
-                <a:latin typeface="Times New Roman" panose="02020603050405020304" pitchFamily="18" charset="0"/>
-                <a:cs typeface="Times New Roman" panose="02020603050405020304" pitchFamily="18" charset="0"/>
-              </a:rPr>
-              <a:t>cassandra</a:t>
-            </a:r>
-            <a:r>
               <a:rPr lang="en-US" sz="2000" dirty="0">
                 <a:latin typeface="Times New Roman" panose="02020603050405020304" pitchFamily="18" charset="0"/>
                 <a:cs typeface="Times New Roman" panose="02020603050405020304" pitchFamily="18" charset="0"/>
               </a:rPr>
-              <a:t> Mae </a:t>
-            </a:r>
-            <a:r>
-              <a:rPr lang="en-US" sz="2000" dirty="0" err="1">
-                <a:latin typeface="Times New Roman" panose="02020603050405020304" pitchFamily="18" charset="0"/>
-                <a:cs typeface="Times New Roman" panose="02020603050405020304" pitchFamily="18" charset="0"/>
-              </a:rPr>
-              <a:t>Chandankumar</a:t>
-            </a:r>
-            <a:r>
-              <a:rPr lang="en-US" sz="2000" dirty="0">
-                <a:latin typeface="Times New Roman" panose="02020603050405020304" pitchFamily="18" charset="0"/>
-                <a:cs typeface="Times New Roman" panose="02020603050405020304" pitchFamily="18" charset="0"/>
-              </a:rPr>
-              <a:t> Patel: eager to create an Impact. Can do anything assigned to her.</a:t>
+              <a:t>Cassandra Mae Chandankumar Patel: eager to create an Impact. Can do anything assigned to her.</a:t>
             </a:r>
           </a:p>
           <a:p>
@@ -7979,7 +8080,7 @@
         </p:blipFill>
         <p:spPr>
           <a:xfrm>
-            <a:off x="5689600" y="3022600"/>
+            <a:off x="5682285" y="3022600"/>
             <a:ext cx="812800" cy="812800"/>
           </a:xfrm>
           <a:prstGeom prst="rect">

--- a/Presentation1.pptx
+++ b/Presentation1.pptx
@@ -4602,10 +4602,10 @@
       </p:sp>
       <p:pic>
         <p:nvPicPr>
-          <p:cNvPr id="6" name="Picture 5" descr="Logo, icon&#10;&#10;Description automatically generated">
-            <a:extLst>
-              <a:ext uri="{FF2B5EF4-FFF2-40B4-BE49-F238E27FC236}">
-                <a16:creationId xmlns:a16="http://schemas.microsoft.com/office/drawing/2014/main" id="{C388EB29-5816-AD4A-9FB2-A57CC15E8FA6}"/>
+          <p:cNvPr id="7" name="Picture 6">
+            <a:extLst>
+              <a:ext uri="{FF2B5EF4-FFF2-40B4-BE49-F238E27FC236}">
+                <a16:creationId xmlns:a16="http://schemas.microsoft.com/office/drawing/2014/main" id="{0FA04D98-31D0-40E6-9537-D6868E259908}"/>
               </a:ext>
             </a:extLst>
           </p:cNvPr>
@@ -4622,8 +4622,8 @@
         </p:blipFill>
         <p:spPr>
           <a:xfrm>
-            <a:off x="448354" y="5692123"/>
-            <a:ext cx="1368089" cy="1167747"/>
+            <a:off x="387716" y="5086856"/>
+            <a:ext cx="1362265" cy="1295581"/>
           </a:xfrm>
           <a:prstGeom prst="rect">
             <a:avLst/>
@@ -4775,17 +4775,25 @@
       </p:sp>
       <p:pic>
         <p:nvPicPr>
-          <p:cNvPr id="4" name="Content Placeholder 4" descr="Logo, icon&#10;&#10;Description automatically generated">
-            <a:extLst>
-              <a:ext uri="{FF2B5EF4-FFF2-40B4-BE49-F238E27FC236}">
-                <a16:creationId xmlns:a16="http://schemas.microsoft.com/office/drawing/2014/main" id="{39E06293-0CAE-074E-8DFF-3AF6AC0D4711}"/>
+          <p:cNvPr id="5" name="Audio Recording Sep 11, 2021 at 1:38:44 PM" descr="Audio Recording Sep 11, 2021 at 1:38:44 PM">
+            <a:hlinkClick r:id="" action="ppaction://media"/>
+            <a:extLst>
+              <a:ext uri="{FF2B5EF4-FFF2-40B4-BE49-F238E27FC236}">
+                <a16:creationId xmlns:a16="http://schemas.microsoft.com/office/drawing/2014/main" id="{49348223-40AA-7849-AC40-79D64C0AE487}"/>
               </a:ext>
             </a:extLst>
           </p:cNvPr>
           <p:cNvPicPr>
             <a:picLocks noChangeAspect="1"/>
           </p:cNvPicPr>
-          <p:nvPr/>
+          <p:nvPr>
+            <a:audioFile r:link="rId2"/>
+            <p:extLst>
+              <p:ext uri="{DAA4B4D4-6D71-4841-9C94-3DE7FCFB9230}">
+                <p14:media xmlns:p14="http://schemas.microsoft.com/office/powerpoint/2010/main" r:embed="rId1"/>
+              </p:ext>
+            </p:extLst>
+          </p:nvPr>
         </p:nvPicPr>
         <p:blipFill>
           <a:blip r:embed="rId5"/>
@@ -4795,8 +4803,8 @@
         </p:blipFill>
         <p:spPr>
           <a:xfrm>
-            <a:off x="9720523" y="395394"/>
-            <a:ext cx="1455442" cy="1295294"/>
+            <a:off x="5689600" y="3022600"/>
+            <a:ext cx="812800" cy="812800"/>
           </a:xfrm>
           <a:prstGeom prst="rect">
             <a:avLst/>
@@ -4805,25 +4813,17 @@
       </p:pic>
       <p:pic>
         <p:nvPicPr>
-          <p:cNvPr id="5" name="Audio Recording Sep 11, 2021 at 1:38:44 PM" descr="Audio Recording Sep 11, 2021 at 1:38:44 PM">
-            <a:hlinkClick r:id="" action="ppaction://media"/>
-            <a:extLst>
-              <a:ext uri="{FF2B5EF4-FFF2-40B4-BE49-F238E27FC236}">
-                <a16:creationId xmlns:a16="http://schemas.microsoft.com/office/drawing/2014/main" id="{49348223-40AA-7849-AC40-79D64C0AE487}"/>
+          <p:cNvPr id="7" name="Picture 6">
+            <a:extLst>
+              <a:ext uri="{FF2B5EF4-FFF2-40B4-BE49-F238E27FC236}">
+                <a16:creationId xmlns:a16="http://schemas.microsoft.com/office/drawing/2014/main" id="{0F1E8F0F-F582-4C25-A940-3176E37D3C44}"/>
               </a:ext>
             </a:extLst>
           </p:cNvPr>
           <p:cNvPicPr>
             <a:picLocks noChangeAspect="1"/>
           </p:cNvPicPr>
-          <p:nvPr>
-            <a:audioFile r:link="rId2"/>
-            <p:extLst>
-              <p:ext uri="{DAA4B4D4-6D71-4841-9C94-3DE7FCFB9230}">
-                <p14:media xmlns:p14="http://schemas.microsoft.com/office/powerpoint/2010/main" r:embed="rId1"/>
-              </p:ext>
-            </p:extLst>
-          </p:nvPr>
+          <p:nvPr/>
         </p:nvPicPr>
         <p:blipFill>
           <a:blip r:embed="rId6"/>
@@ -4833,8 +4833,8 @@
         </p:blipFill>
         <p:spPr>
           <a:xfrm>
-            <a:off x="5689600" y="3022600"/>
-            <a:ext cx="812800" cy="812800"/>
+            <a:off x="10518370" y="-3539"/>
+            <a:ext cx="1362265" cy="1295581"/>
           </a:xfrm>
           <a:prstGeom prst="rect">
             <a:avLst/>
@@ -5132,17 +5132,25 @@
       </p:sp>
       <p:pic>
         <p:nvPicPr>
-          <p:cNvPr id="4" name="Content Placeholder 4" descr="Logo, icon&#10;&#10;Description automatically generated">
-            <a:extLst>
-              <a:ext uri="{FF2B5EF4-FFF2-40B4-BE49-F238E27FC236}">
-                <a16:creationId xmlns:a16="http://schemas.microsoft.com/office/drawing/2014/main" id="{21AFB892-7B3E-104F-89A7-E1AF20417A3A}"/>
+          <p:cNvPr id="5" name="Audio Recording Sep 11, 2021 at 1:58:50 PM" descr="Audio Recording Sep 11, 2021 at 1:58:50 PM">
+            <a:hlinkClick r:id="" action="ppaction://media"/>
+            <a:extLst>
+              <a:ext uri="{FF2B5EF4-FFF2-40B4-BE49-F238E27FC236}">
+                <a16:creationId xmlns:a16="http://schemas.microsoft.com/office/drawing/2014/main" id="{592C772A-18F9-2640-A4B6-F1A8B982E423}"/>
               </a:ext>
             </a:extLst>
           </p:cNvPr>
           <p:cNvPicPr>
             <a:picLocks noChangeAspect="1"/>
           </p:cNvPicPr>
-          <p:nvPr/>
+          <p:nvPr>
+            <a:audioFile r:link="rId2"/>
+            <p:extLst>
+              <p:ext uri="{DAA4B4D4-6D71-4841-9C94-3DE7FCFB9230}">
+                <p14:media xmlns:p14="http://schemas.microsoft.com/office/powerpoint/2010/main" r:embed="rId1"/>
+              </p:ext>
+            </p:extLst>
+          </p:nvPr>
         </p:nvPicPr>
         <p:blipFill>
           <a:blip r:embed="rId5"/>
@@ -5152,8 +5160,8 @@
         </p:blipFill>
         <p:spPr>
           <a:xfrm>
-            <a:off x="9720523" y="395394"/>
-            <a:ext cx="1455442" cy="1295294"/>
+            <a:off x="5689600" y="3022600"/>
+            <a:ext cx="812800" cy="812800"/>
           </a:xfrm>
           <a:prstGeom prst="rect">
             <a:avLst/>
@@ -5162,25 +5170,17 @@
       </p:pic>
       <p:pic>
         <p:nvPicPr>
-          <p:cNvPr id="5" name="Audio Recording Sep 11, 2021 at 1:58:50 PM" descr="Audio Recording Sep 11, 2021 at 1:58:50 PM">
-            <a:hlinkClick r:id="" action="ppaction://media"/>
-            <a:extLst>
-              <a:ext uri="{FF2B5EF4-FFF2-40B4-BE49-F238E27FC236}">
-                <a16:creationId xmlns:a16="http://schemas.microsoft.com/office/drawing/2014/main" id="{592C772A-18F9-2640-A4B6-F1A8B982E423}"/>
+          <p:cNvPr id="7" name="Picture 6">
+            <a:extLst>
+              <a:ext uri="{FF2B5EF4-FFF2-40B4-BE49-F238E27FC236}">
+                <a16:creationId xmlns:a16="http://schemas.microsoft.com/office/drawing/2014/main" id="{53E54424-C0D5-4F6A-8B48-9BC1F4384E09}"/>
               </a:ext>
             </a:extLst>
           </p:cNvPr>
           <p:cNvPicPr>
             <a:picLocks noChangeAspect="1"/>
           </p:cNvPicPr>
-          <p:nvPr>
-            <a:audioFile r:link="rId2"/>
-            <p:extLst>
-              <p:ext uri="{DAA4B4D4-6D71-4841-9C94-3DE7FCFB9230}">
-                <p14:media xmlns:p14="http://schemas.microsoft.com/office/powerpoint/2010/main" r:embed="rId1"/>
-              </p:ext>
-            </p:extLst>
-          </p:nvPr>
+          <p:nvPr/>
         </p:nvPicPr>
         <p:blipFill>
           <a:blip r:embed="rId6"/>
@@ -5190,8 +5190,8 @@
         </p:blipFill>
         <p:spPr>
           <a:xfrm>
-            <a:off x="5689600" y="3022600"/>
-            <a:ext cx="812800" cy="812800"/>
+            <a:off x="10302751" y="33246"/>
+            <a:ext cx="1362265" cy="1295581"/>
           </a:xfrm>
           <a:prstGeom prst="rect">
             <a:avLst/>
@@ -5383,17 +5383,25 @@
       </p:sp>
       <p:pic>
         <p:nvPicPr>
-          <p:cNvPr id="4" name="Content Placeholder 4" descr="Logo, icon&#10;&#10;Description automatically generated">
-            <a:extLst>
-              <a:ext uri="{FF2B5EF4-FFF2-40B4-BE49-F238E27FC236}">
-                <a16:creationId xmlns:a16="http://schemas.microsoft.com/office/drawing/2014/main" id="{8ECA0F48-1133-2945-AAF6-D9F4EECEF2E0}"/>
+          <p:cNvPr id="7" name="Recorded Sound">
+            <a:hlinkClick r:id="" action="ppaction://media"/>
+            <a:extLst>
+              <a:ext uri="{FF2B5EF4-FFF2-40B4-BE49-F238E27FC236}">
+                <a16:creationId xmlns:a16="http://schemas.microsoft.com/office/drawing/2014/main" id="{785B0701-EE78-4C88-A5D2-CFACD0E21FD3}"/>
               </a:ext>
             </a:extLst>
           </p:cNvPr>
           <p:cNvPicPr>
             <a:picLocks noChangeAspect="1"/>
           </p:cNvPicPr>
-          <p:nvPr/>
+          <p:nvPr>
+            <a:audioFile r:link="rId2"/>
+            <p:extLst>
+              <p:ext uri="{DAA4B4D4-6D71-4841-9C94-3DE7FCFB9230}">
+                <p14:media xmlns:p14="http://schemas.microsoft.com/office/powerpoint/2010/main" r:embed="rId1"/>
+              </p:ext>
+            </p:extLst>
+          </p:nvPr>
         </p:nvPicPr>
         <p:blipFill>
           <a:blip r:embed="rId4"/>
@@ -5403,8 +5411,8 @@
         </p:blipFill>
         <p:spPr>
           <a:xfrm>
-            <a:off x="9378778" y="4040637"/>
-            <a:ext cx="1952839" cy="1754681"/>
+            <a:off x="5791200" y="3124200"/>
+            <a:ext cx="609600" cy="609600"/>
           </a:xfrm>
           <a:prstGeom prst="rect">
             <a:avLst/>
@@ -5413,25 +5421,17 @@
       </p:pic>
       <p:pic>
         <p:nvPicPr>
-          <p:cNvPr id="7" name="Recorded Sound">
-            <a:hlinkClick r:id="" action="ppaction://media"/>
-            <a:extLst>
-              <a:ext uri="{FF2B5EF4-FFF2-40B4-BE49-F238E27FC236}">
-                <a16:creationId xmlns:a16="http://schemas.microsoft.com/office/drawing/2014/main" id="{785B0701-EE78-4C88-A5D2-CFACD0E21FD3}"/>
+          <p:cNvPr id="5" name="Picture 4">
+            <a:extLst>
+              <a:ext uri="{FF2B5EF4-FFF2-40B4-BE49-F238E27FC236}">
+                <a16:creationId xmlns:a16="http://schemas.microsoft.com/office/drawing/2014/main" id="{EDDC7C56-C31F-46D8-A0BC-A1369A0FE9CC}"/>
               </a:ext>
             </a:extLst>
           </p:cNvPr>
           <p:cNvPicPr>
             <a:picLocks noChangeAspect="1"/>
           </p:cNvPicPr>
-          <p:nvPr>
-            <a:audioFile r:link="rId2"/>
-            <p:extLst>
-              <p:ext uri="{DAA4B4D4-6D71-4841-9C94-3DE7FCFB9230}">
-                <p14:media xmlns:p14="http://schemas.microsoft.com/office/powerpoint/2010/main" r:embed="rId1"/>
-              </p:ext>
-            </p:extLst>
-          </p:nvPr>
+          <p:nvPr/>
         </p:nvPicPr>
         <p:blipFill>
           <a:blip r:embed="rId5"/>
@@ -5441,8 +5441,8 @@
         </p:blipFill>
         <p:spPr>
           <a:xfrm>
-            <a:off x="5791200" y="3124200"/>
-            <a:ext cx="609600" cy="609600"/>
+            <a:off x="9842270" y="4709762"/>
+            <a:ext cx="1489348" cy="1295581"/>
           </a:xfrm>
           <a:prstGeom prst="rect">
             <a:avLst/>
@@ -5600,35 +5600,6 @@
           </a:p>
         </p:txBody>
       </p:sp>
-      <p:pic>
-        <p:nvPicPr>
-          <p:cNvPr id="5" name="Content Placeholder 4" descr="Logo, icon&#10;&#10;Description automatically generated">
-            <a:extLst>
-              <a:ext uri="{FF2B5EF4-FFF2-40B4-BE49-F238E27FC236}">
-                <a16:creationId xmlns:a16="http://schemas.microsoft.com/office/drawing/2014/main" id="{246C5EFA-00DA-4C48-9084-75D0BBB088FC}"/>
-              </a:ext>
-            </a:extLst>
-          </p:cNvPr>
-          <p:cNvPicPr>
-            <a:picLocks noGrp="1" noChangeAspect="1"/>
-          </p:cNvPicPr>
-          <p:nvPr>
-            <p:ph idx="1"/>
-          </p:nvPr>
-        </p:nvPicPr>
-        <p:blipFill>
-          <a:blip r:embed="rId2"/>
-          <a:stretch>
-            <a:fillRect/>
-          </a:stretch>
-        </p:blipFill>
-        <p:spPr>
-          <a:xfrm>
-            <a:off x="838200" y="1980733"/>
-            <a:ext cx="2355426" cy="2010499"/>
-          </a:xfrm>
-        </p:spPr>
-      </p:pic>
       <p:sp>
         <p:nvSpPr>
           <p:cNvPr id="6" name="Rectangle 5">
@@ -5959,6 +5930,35 @@
           </a:p>
         </p:txBody>
       </p:sp>
+      <p:pic>
+        <p:nvPicPr>
+          <p:cNvPr id="8" name="Content Placeholder 7">
+            <a:extLst>
+              <a:ext uri="{FF2B5EF4-FFF2-40B4-BE49-F238E27FC236}">
+                <a16:creationId xmlns:a16="http://schemas.microsoft.com/office/drawing/2014/main" id="{620F3CF0-C987-462F-ADF9-BEA247B50C23}"/>
+              </a:ext>
+            </a:extLst>
+          </p:cNvPr>
+          <p:cNvPicPr>
+            <a:picLocks noGrp="1" noChangeAspect="1"/>
+          </p:cNvPicPr>
+          <p:nvPr>
+            <p:ph idx="1"/>
+          </p:nvPr>
+        </p:nvPicPr>
+        <p:blipFill>
+          <a:blip r:embed="rId2"/>
+          <a:stretch>
+            <a:fillRect/>
+          </a:stretch>
+        </p:blipFill>
+        <p:spPr>
+          <a:xfrm>
+            <a:off x="1246909" y="1513185"/>
+            <a:ext cx="1806121" cy="1744819"/>
+          </a:xfrm>
+        </p:spPr>
+      </p:pic>
     </p:spTree>
     <p:extLst>
       <p:ext uri="{BB962C8B-B14F-4D97-AF65-F5344CB8AC3E}">
@@ -6170,17 +6170,25 @@
       </p:sp>
       <p:pic>
         <p:nvPicPr>
-          <p:cNvPr id="4" name="Content Placeholder 4" descr="Logo, icon&#10;&#10;Description automatically generated">
-            <a:extLst>
-              <a:ext uri="{FF2B5EF4-FFF2-40B4-BE49-F238E27FC236}">
-                <a16:creationId xmlns:a16="http://schemas.microsoft.com/office/drawing/2014/main" id="{DD24A402-2534-FD48-ADB5-84C61844C3E4}"/>
+          <p:cNvPr id="6" name="Audio Recording Sep 11, 2021 at 5:11:22 PM" descr="Audio Recording Sep 11, 2021 at 5:11:22 PM">
+            <a:hlinkClick r:id="" action="ppaction://media"/>
+            <a:extLst>
+              <a:ext uri="{FF2B5EF4-FFF2-40B4-BE49-F238E27FC236}">
+                <a16:creationId xmlns:a16="http://schemas.microsoft.com/office/drawing/2014/main" id="{28B9D944-A5A8-7340-830D-175677E6010F}"/>
               </a:ext>
             </a:extLst>
           </p:cNvPr>
           <p:cNvPicPr>
             <a:picLocks noChangeAspect="1"/>
           </p:cNvPicPr>
-          <p:nvPr/>
+          <p:nvPr>
+            <a:audioFile r:link="rId2"/>
+            <p:extLst>
+              <p:ext uri="{DAA4B4D4-6D71-4841-9C94-3DE7FCFB9230}">
+                <p14:media xmlns:p14="http://schemas.microsoft.com/office/powerpoint/2010/main" r:embed="rId1"/>
+              </p:ext>
+            </p:extLst>
+          </p:nvPr>
         </p:nvPicPr>
         <p:blipFill>
           <a:blip r:embed="rId5"/>
@@ -6190,8 +6198,8 @@
         </p:blipFill>
         <p:spPr>
           <a:xfrm>
-            <a:off x="9720523" y="395394"/>
-            <a:ext cx="1455442" cy="1295294"/>
+            <a:off x="5682285" y="3022600"/>
+            <a:ext cx="812800" cy="812800"/>
           </a:xfrm>
           <a:prstGeom prst="rect">
             <a:avLst/>
@@ -6200,25 +6208,17 @@
       </p:pic>
       <p:pic>
         <p:nvPicPr>
-          <p:cNvPr id="6" name="Audio Recording Sep 11, 2021 at 5:11:22 PM" descr="Audio Recording Sep 11, 2021 at 5:11:22 PM">
-            <a:hlinkClick r:id="" action="ppaction://media"/>
-            <a:extLst>
-              <a:ext uri="{FF2B5EF4-FFF2-40B4-BE49-F238E27FC236}">
-                <a16:creationId xmlns:a16="http://schemas.microsoft.com/office/drawing/2014/main" id="{28B9D944-A5A8-7340-830D-175677E6010F}"/>
+          <p:cNvPr id="7" name="Picture 6">
+            <a:extLst>
+              <a:ext uri="{FF2B5EF4-FFF2-40B4-BE49-F238E27FC236}">
+                <a16:creationId xmlns:a16="http://schemas.microsoft.com/office/drawing/2014/main" id="{5F533ADA-8441-494E-8AFC-AFCAF70F0EA4}"/>
               </a:ext>
             </a:extLst>
           </p:cNvPr>
           <p:cNvPicPr>
             <a:picLocks noChangeAspect="1"/>
           </p:cNvPicPr>
-          <p:nvPr>
-            <a:audioFile r:link="rId2"/>
-            <p:extLst>
-              <p:ext uri="{DAA4B4D4-6D71-4841-9C94-3DE7FCFB9230}">
-                <p14:media xmlns:p14="http://schemas.microsoft.com/office/powerpoint/2010/main" r:embed="rId1"/>
-              </p:ext>
-            </p:extLst>
-          </p:nvPr>
+          <p:nvPr/>
         </p:nvPicPr>
         <p:blipFill>
           <a:blip r:embed="rId6"/>
@@ -6228,8 +6228,8 @@
         </p:blipFill>
         <p:spPr>
           <a:xfrm>
-            <a:off x="5682285" y="3022600"/>
-            <a:ext cx="812800" cy="812800"/>
+            <a:off x="9991535" y="352655"/>
+            <a:ext cx="1362265" cy="1295581"/>
           </a:xfrm>
           <a:prstGeom prst="rect">
             <a:avLst/>
@@ -6507,17 +6507,25 @@
       </p:sp>
       <p:pic>
         <p:nvPicPr>
-          <p:cNvPr id="4" name="Content Placeholder 4" descr="Logo, icon&#10;&#10;Description automatically generated">
-            <a:extLst>
-              <a:ext uri="{FF2B5EF4-FFF2-40B4-BE49-F238E27FC236}">
-                <a16:creationId xmlns:a16="http://schemas.microsoft.com/office/drawing/2014/main" id="{BB43C2E2-785B-194A-B4EB-CB744DC45E8E}"/>
+          <p:cNvPr id="5" name="Audio Recording Sep 11, 2021 at 5:14:18 PM" descr="Audio Recording Sep 11, 2021 at 5:14:18 PM">
+            <a:hlinkClick r:id="" action="ppaction://media"/>
+            <a:extLst>
+              <a:ext uri="{FF2B5EF4-FFF2-40B4-BE49-F238E27FC236}">
+                <a16:creationId xmlns:a16="http://schemas.microsoft.com/office/drawing/2014/main" id="{E3263325-7CF9-3F48-963A-E91A2F6204A5}"/>
               </a:ext>
             </a:extLst>
           </p:cNvPr>
           <p:cNvPicPr>
             <a:picLocks noChangeAspect="1"/>
           </p:cNvPicPr>
-          <p:nvPr/>
+          <p:nvPr>
+            <a:audioFile r:link="rId2"/>
+            <p:extLst>
+              <p:ext uri="{DAA4B4D4-6D71-4841-9C94-3DE7FCFB9230}">
+                <p14:media xmlns:p14="http://schemas.microsoft.com/office/powerpoint/2010/main" r:embed="rId1"/>
+              </p:ext>
+            </p:extLst>
+          </p:nvPr>
         </p:nvPicPr>
         <p:blipFill>
           <a:blip r:embed="rId4"/>
@@ -6527,8 +6535,8 @@
         </p:blipFill>
         <p:spPr>
           <a:xfrm>
-            <a:off x="9720523" y="395394"/>
-            <a:ext cx="1455442" cy="1295294"/>
+            <a:off x="5689600" y="3022600"/>
+            <a:ext cx="812800" cy="812800"/>
           </a:xfrm>
           <a:prstGeom prst="rect">
             <a:avLst/>
@@ -6537,25 +6545,17 @@
       </p:pic>
       <p:pic>
         <p:nvPicPr>
-          <p:cNvPr id="5" name="Audio Recording Sep 11, 2021 at 5:14:18 PM" descr="Audio Recording Sep 11, 2021 at 5:14:18 PM">
-            <a:hlinkClick r:id="" action="ppaction://media"/>
-            <a:extLst>
-              <a:ext uri="{FF2B5EF4-FFF2-40B4-BE49-F238E27FC236}">
-                <a16:creationId xmlns:a16="http://schemas.microsoft.com/office/drawing/2014/main" id="{E3263325-7CF9-3F48-963A-E91A2F6204A5}"/>
+          <p:cNvPr id="7" name="Picture 6">
+            <a:extLst>
+              <a:ext uri="{FF2B5EF4-FFF2-40B4-BE49-F238E27FC236}">
+                <a16:creationId xmlns:a16="http://schemas.microsoft.com/office/drawing/2014/main" id="{5A25D697-CF6D-4C3E-B3AA-173CB93074B2}"/>
               </a:ext>
             </a:extLst>
           </p:cNvPr>
           <p:cNvPicPr>
             <a:picLocks noChangeAspect="1"/>
           </p:cNvPicPr>
-          <p:nvPr>
-            <a:audioFile r:link="rId2"/>
-            <p:extLst>
-              <p:ext uri="{DAA4B4D4-6D71-4841-9C94-3DE7FCFB9230}">
-                <p14:media xmlns:p14="http://schemas.microsoft.com/office/powerpoint/2010/main" r:embed="rId1"/>
-              </p:ext>
-            </p:extLst>
-          </p:nvPr>
+          <p:nvPr/>
         </p:nvPicPr>
         <p:blipFill>
           <a:blip r:embed="rId5"/>
@@ -6565,8 +6565,8 @@
         </p:blipFill>
         <p:spPr>
           <a:xfrm>
-            <a:off x="5689600" y="3022600"/>
-            <a:ext cx="812800" cy="812800"/>
+            <a:off x="9991535" y="365125"/>
+            <a:ext cx="1362265" cy="1295581"/>
           </a:xfrm>
           <a:prstGeom prst="rect">
             <a:avLst/>
@@ -6802,17 +6802,25 @@
       </p:sp>
       <p:pic>
         <p:nvPicPr>
-          <p:cNvPr id="4" name="Content Placeholder 4" descr="Logo, icon&#10;&#10;Description automatically generated">
-            <a:extLst>
-              <a:ext uri="{FF2B5EF4-FFF2-40B4-BE49-F238E27FC236}">
-                <a16:creationId xmlns:a16="http://schemas.microsoft.com/office/drawing/2014/main" id="{78EE5291-FE3D-2645-8FD1-76BF0526D21B}"/>
+          <p:cNvPr id="5" name="Audio Recording Sep 11, 2021 at 5:16:35 PM" descr="Audio Recording Sep 11, 2021 at 5:16:35 PM">
+            <a:hlinkClick r:id="" action="ppaction://media"/>
+            <a:extLst>
+              <a:ext uri="{FF2B5EF4-FFF2-40B4-BE49-F238E27FC236}">
+                <a16:creationId xmlns:a16="http://schemas.microsoft.com/office/drawing/2014/main" id="{A3087F8C-9587-D643-BE9D-68FF49388447}"/>
               </a:ext>
             </a:extLst>
           </p:cNvPr>
           <p:cNvPicPr>
             <a:picLocks noChangeAspect="1"/>
           </p:cNvPicPr>
-          <p:nvPr/>
+          <p:nvPr>
+            <a:audioFile r:link="rId2"/>
+            <p:extLst>
+              <p:ext uri="{DAA4B4D4-6D71-4841-9C94-3DE7FCFB9230}">
+                <p14:media xmlns:p14="http://schemas.microsoft.com/office/powerpoint/2010/main" r:embed="rId1"/>
+              </p:ext>
+            </p:extLst>
+          </p:nvPr>
         </p:nvPicPr>
         <p:blipFill>
           <a:blip r:embed="rId4"/>
@@ -6822,8 +6830,8 @@
         </p:blipFill>
         <p:spPr>
           <a:xfrm>
-            <a:off x="9720523" y="395394"/>
-            <a:ext cx="1455442" cy="1295294"/>
+            <a:off x="5689600" y="3022600"/>
+            <a:ext cx="812800" cy="812800"/>
           </a:xfrm>
           <a:prstGeom prst="rect">
             <a:avLst/>
@@ -6832,25 +6840,17 @@
       </p:pic>
       <p:pic>
         <p:nvPicPr>
-          <p:cNvPr id="5" name="Audio Recording Sep 11, 2021 at 5:16:35 PM" descr="Audio Recording Sep 11, 2021 at 5:16:35 PM">
-            <a:hlinkClick r:id="" action="ppaction://media"/>
-            <a:extLst>
-              <a:ext uri="{FF2B5EF4-FFF2-40B4-BE49-F238E27FC236}">
-                <a16:creationId xmlns:a16="http://schemas.microsoft.com/office/drawing/2014/main" id="{A3087F8C-9587-D643-BE9D-68FF49388447}"/>
+          <p:cNvPr id="7" name="Picture 6">
+            <a:extLst>
+              <a:ext uri="{FF2B5EF4-FFF2-40B4-BE49-F238E27FC236}">
+                <a16:creationId xmlns:a16="http://schemas.microsoft.com/office/drawing/2014/main" id="{D554F3CB-AB0C-45AB-9B48-1D67EB31EC53}"/>
               </a:ext>
             </a:extLst>
           </p:cNvPr>
           <p:cNvPicPr>
             <a:picLocks noChangeAspect="1"/>
           </p:cNvPicPr>
-          <p:nvPr>
-            <a:audioFile r:link="rId2"/>
-            <p:extLst>
-              <p:ext uri="{DAA4B4D4-6D71-4841-9C94-3DE7FCFB9230}">
-                <p14:media xmlns:p14="http://schemas.microsoft.com/office/powerpoint/2010/main" r:embed="rId1"/>
-              </p:ext>
-            </p:extLst>
-          </p:nvPr>
+          <p:nvPr/>
         </p:nvPicPr>
         <p:blipFill>
           <a:blip r:embed="rId5"/>
@@ -6860,8 +6860,8 @@
         </p:blipFill>
         <p:spPr>
           <a:xfrm>
-            <a:off x="5689600" y="3022600"/>
-            <a:ext cx="812800" cy="812800"/>
+            <a:off x="10302751" y="33246"/>
+            <a:ext cx="1362265" cy="1295581"/>
           </a:xfrm>
           <a:prstGeom prst="rect">
             <a:avLst/>
@@ -7107,17 +7107,25 @@
       </p:sp>
       <p:pic>
         <p:nvPicPr>
-          <p:cNvPr id="4" name="Content Placeholder 4" descr="Logo, icon&#10;&#10;Description automatically generated">
-            <a:extLst>
-              <a:ext uri="{FF2B5EF4-FFF2-40B4-BE49-F238E27FC236}">
-                <a16:creationId xmlns:a16="http://schemas.microsoft.com/office/drawing/2014/main" id="{785CEB8C-9A5E-6B4E-8EC8-3FC38A34C7DF}"/>
+          <p:cNvPr id="5" name="Audio Recording Sep 11, 2021 at 2:11:54 PM" descr="Audio Recording Sep 11, 2021 at 2:11:54 PM">
+            <a:hlinkClick r:id="" action="ppaction://media"/>
+            <a:extLst>
+              <a:ext uri="{FF2B5EF4-FFF2-40B4-BE49-F238E27FC236}">
+                <a16:creationId xmlns:a16="http://schemas.microsoft.com/office/drawing/2014/main" id="{E0A47C07-B14C-A040-9B2E-7E8828EB5CE3}"/>
               </a:ext>
             </a:extLst>
           </p:cNvPr>
           <p:cNvPicPr>
             <a:picLocks noChangeAspect="1"/>
           </p:cNvPicPr>
-          <p:nvPr/>
+          <p:nvPr>
+            <a:audioFile r:link="rId2"/>
+            <p:extLst>
+              <p:ext uri="{DAA4B4D4-6D71-4841-9C94-3DE7FCFB9230}">
+                <p14:media xmlns:p14="http://schemas.microsoft.com/office/powerpoint/2010/main" r:embed="rId1"/>
+              </p:ext>
+            </p:extLst>
+          </p:nvPr>
         </p:nvPicPr>
         <p:blipFill>
           <a:blip r:embed="rId5"/>
@@ -7127,8 +7135,8 @@
         </p:blipFill>
         <p:spPr>
           <a:xfrm>
-            <a:off x="9720523" y="395394"/>
-            <a:ext cx="1455442" cy="1295294"/>
+            <a:off x="5689600" y="3022600"/>
+            <a:ext cx="812800" cy="812800"/>
           </a:xfrm>
           <a:prstGeom prst="rect">
             <a:avLst/>
@@ -7137,25 +7145,17 @@
       </p:pic>
       <p:pic>
         <p:nvPicPr>
-          <p:cNvPr id="5" name="Audio Recording Sep 11, 2021 at 2:11:54 PM" descr="Audio Recording Sep 11, 2021 at 2:11:54 PM">
-            <a:hlinkClick r:id="" action="ppaction://media"/>
-            <a:extLst>
-              <a:ext uri="{FF2B5EF4-FFF2-40B4-BE49-F238E27FC236}">
-                <a16:creationId xmlns:a16="http://schemas.microsoft.com/office/drawing/2014/main" id="{E0A47C07-B14C-A040-9B2E-7E8828EB5CE3}"/>
+          <p:cNvPr id="7" name="Picture 6">
+            <a:extLst>
+              <a:ext uri="{FF2B5EF4-FFF2-40B4-BE49-F238E27FC236}">
+                <a16:creationId xmlns:a16="http://schemas.microsoft.com/office/drawing/2014/main" id="{D967546A-2C2A-49CA-88C7-2E6AE76CA636}"/>
               </a:ext>
             </a:extLst>
           </p:cNvPr>
           <p:cNvPicPr>
             <a:picLocks noChangeAspect="1"/>
           </p:cNvPicPr>
-          <p:nvPr>
-            <a:audioFile r:link="rId2"/>
-            <p:extLst>
-              <p:ext uri="{DAA4B4D4-6D71-4841-9C94-3DE7FCFB9230}">
-                <p14:media xmlns:p14="http://schemas.microsoft.com/office/powerpoint/2010/main" r:embed="rId1"/>
-              </p:ext>
-            </p:extLst>
-          </p:nvPr>
+          <p:nvPr/>
         </p:nvPicPr>
         <p:blipFill>
           <a:blip r:embed="rId6"/>
@@ -7165,8 +7165,8 @@
         </p:blipFill>
         <p:spPr>
           <a:xfrm>
-            <a:off x="5689600" y="3022600"/>
-            <a:ext cx="812800" cy="812800"/>
+            <a:off x="10286125" y="160511"/>
+            <a:ext cx="1362265" cy="1295581"/>
           </a:xfrm>
           <a:prstGeom prst="rect">
             <a:avLst/>
@@ -7402,17 +7402,25 @@
       </p:sp>
       <p:pic>
         <p:nvPicPr>
-          <p:cNvPr id="4" name="Content Placeholder 4" descr="Logo, icon&#10;&#10;Description automatically generated">
-            <a:extLst>
-              <a:ext uri="{FF2B5EF4-FFF2-40B4-BE49-F238E27FC236}">
-                <a16:creationId xmlns:a16="http://schemas.microsoft.com/office/drawing/2014/main" id="{ED12A5BC-BA0D-1C48-8267-9AD3D84B2382}"/>
+          <p:cNvPr id="5" name="Audio Recording Sep 11, 2021 at 2:27:45 PM" descr="Audio Recording Sep 11, 2021 at 2:27:45 PM">
+            <a:hlinkClick r:id="" action="ppaction://media"/>
+            <a:extLst>
+              <a:ext uri="{FF2B5EF4-FFF2-40B4-BE49-F238E27FC236}">
+                <a16:creationId xmlns:a16="http://schemas.microsoft.com/office/drawing/2014/main" id="{D822103A-8180-734D-9B73-468145F237C2}"/>
               </a:ext>
             </a:extLst>
           </p:cNvPr>
           <p:cNvPicPr>
             <a:picLocks noChangeAspect="1"/>
           </p:cNvPicPr>
-          <p:nvPr/>
+          <p:nvPr>
+            <a:audioFile r:link="rId2"/>
+            <p:extLst>
+              <p:ext uri="{DAA4B4D4-6D71-4841-9C94-3DE7FCFB9230}">
+                <p14:media xmlns:p14="http://schemas.microsoft.com/office/powerpoint/2010/main" r:embed="rId1"/>
+              </p:ext>
+            </p:extLst>
+          </p:nvPr>
         </p:nvPicPr>
         <p:blipFill>
           <a:blip r:embed="rId5"/>
@@ -7422,8 +7430,8 @@
         </p:blipFill>
         <p:spPr>
           <a:xfrm>
-            <a:off x="9720523" y="395394"/>
-            <a:ext cx="1455442" cy="1295294"/>
+            <a:off x="5689600" y="3022600"/>
+            <a:ext cx="812800" cy="812800"/>
           </a:xfrm>
           <a:prstGeom prst="rect">
             <a:avLst/>
@@ -7432,25 +7440,17 @@
       </p:pic>
       <p:pic>
         <p:nvPicPr>
-          <p:cNvPr id="5" name="Audio Recording Sep 11, 2021 at 2:27:45 PM" descr="Audio Recording Sep 11, 2021 at 2:27:45 PM">
-            <a:hlinkClick r:id="" action="ppaction://media"/>
-            <a:extLst>
-              <a:ext uri="{FF2B5EF4-FFF2-40B4-BE49-F238E27FC236}">
-                <a16:creationId xmlns:a16="http://schemas.microsoft.com/office/drawing/2014/main" id="{D822103A-8180-734D-9B73-468145F237C2}"/>
+          <p:cNvPr id="7" name="Picture 6">
+            <a:extLst>
+              <a:ext uri="{FF2B5EF4-FFF2-40B4-BE49-F238E27FC236}">
+                <a16:creationId xmlns:a16="http://schemas.microsoft.com/office/drawing/2014/main" id="{61729D78-BA97-4162-B426-762836572BB9}"/>
               </a:ext>
             </a:extLst>
           </p:cNvPr>
           <p:cNvPicPr>
             <a:picLocks noChangeAspect="1"/>
           </p:cNvPicPr>
-          <p:nvPr>
-            <a:audioFile r:link="rId2"/>
-            <p:extLst>
-              <p:ext uri="{DAA4B4D4-6D71-4841-9C94-3DE7FCFB9230}">
-                <p14:media xmlns:p14="http://schemas.microsoft.com/office/powerpoint/2010/main" r:embed="rId1"/>
-              </p:ext>
-            </p:extLst>
-          </p:nvPr>
+          <p:nvPr/>
         </p:nvPicPr>
         <p:blipFill>
           <a:blip r:embed="rId6"/>
@@ -7460,8 +7460,8 @@
         </p:blipFill>
         <p:spPr>
           <a:xfrm>
-            <a:off x="5689600" y="3022600"/>
-            <a:ext cx="812800" cy="812800"/>
+            <a:off x="10303261" y="33246"/>
+            <a:ext cx="1362265" cy="1295581"/>
           </a:xfrm>
           <a:prstGeom prst="rect">
             <a:avLst/>
@@ -7675,17 +7675,25 @@
       </p:sp>
       <p:pic>
         <p:nvPicPr>
-          <p:cNvPr id="4" name="Content Placeholder 4" descr="Logo, icon&#10;&#10;Description automatically generated">
-            <a:extLst>
-              <a:ext uri="{FF2B5EF4-FFF2-40B4-BE49-F238E27FC236}">
-                <a16:creationId xmlns:a16="http://schemas.microsoft.com/office/drawing/2014/main" id="{5148F5EE-DD9F-A347-B906-A2E9B2744F94}"/>
+          <p:cNvPr id="5" name="Audio Recording Sep 11, 2021 at 1:14:00 PM" descr="Audio Recording Sep 11, 2021 at 1:14:00 PM">
+            <a:hlinkClick r:id="" action="ppaction://media"/>
+            <a:extLst>
+              <a:ext uri="{FF2B5EF4-FFF2-40B4-BE49-F238E27FC236}">
+                <a16:creationId xmlns:a16="http://schemas.microsoft.com/office/drawing/2014/main" id="{22FB0D4D-C6B9-F64A-8C11-ED55FD392B6D}"/>
               </a:ext>
             </a:extLst>
           </p:cNvPr>
           <p:cNvPicPr>
             <a:picLocks noChangeAspect="1"/>
           </p:cNvPicPr>
-          <p:nvPr/>
+          <p:nvPr>
+            <a:audioFile r:link="rId2"/>
+            <p:extLst>
+              <p:ext uri="{DAA4B4D4-6D71-4841-9C94-3DE7FCFB9230}">
+                <p14:media xmlns:p14="http://schemas.microsoft.com/office/powerpoint/2010/main" r:embed="rId1"/>
+              </p:ext>
+            </p:extLst>
+          </p:nvPr>
         </p:nvPicPr>
         <p:blipFill>
           <a:blip r:embed="rId5"/>
@@ -7695,8 +7703,8 @@
         </p:blipFill>
         <p:spPr>
           <a:xfrm>
-            <a:off x="9720523" y="395394"/>
-            <a:ext cx="1455442" cy="1295294"/>
+            <a:off x="5689600" y="3022600"/>
+            <a:ext cx="812800" cy="812800"/>
           </a:xfrm>
           <a:prstGeom prst="rect">
             <a:avLst/>
@@ -7705,25 +7713,17 @@
       </p:pic>
       <p:pic>
         <p:nvPicPr>
-          <p:cNvPr id="5" name="Audio Recording Sep 11, 2021 at 1:14:00 PM" descr="Audio Recording Sep 11, 2021 at 1:14:00 PM">
-            <a:hlinkClick r:id="" action="ppaction://media"/>
-            <a:extLst>
-              <a:ext uri="{FF2B5EF4-FFF2-40B4-BE49-F238E27FC236}">
-                <a16:creationId xmlns:a16="http://schemas.microsoft.com/office/drawing/2014/main" id="{22FB0D4D-C6B9-F64A-8C11-ED55FD392B6D}"/>
+          <p:cNvPr id="7" name="Picture 6">
+            <a:extLst>
+              <a:ext uri="{FF2B5EF4-FFF2-40B4-BE49-F238E27FC236}">
+                <a16:creationId xmlns:a16="http://schemas.microsoft.com/office/drawing/2014/main" id="{1E66F596-4161-41D1-9F4B-C0E5DF6F6FDB}"/>
               </a:ext>
             </a:extLst>
           </p:cNvPr>
           <p:cNvPicPr>
             <a:picLocks noChangeAspect="1"/>
           </p:cNvPicPr>
-          <p:nvPr>
-            <a:audioFile r:link="rId2"/>
-            <p:extLst>
-              <p:ext uri="{DAA4B4D4-6D71-4841-9C94-3DE7FCFB9230}">
-                <p14:media xmlns:p14="http://schemas.microsoft.com/office/powerpoint/2010/main" r:embed="rId1"/>
-              </p:ext>
-            </p:extLst>
-          </p:nvPr>
+          <p:nvPr/>
         </p:nvPicPr>
         <p:blipFill>
           <a:blip r:embed="rId6"/>
@@ -7733,8 +7733,8 @@
         </p:blipFill>
         <p:spPr>
           <a:xfrm>
-            <a:off x="5689600" y="3022600"/>
-            <a:ext cx="812800" cy="812800"/>
+            <a:off x="10352115" y="33246"/>
+            <a:ext cx="1362265" cy="1295581"/>
           </a:xfrm>
           <a:prstGeom prst="rect">
             <a:avLst/>
@@ -8022,17 +8022,25 @@
       </p:sp>
       <p:pic>
         <p:nvPicPr>
-          <p:cNvPr id="4" name="Content Placeholder 4" descr="Logo, icon&#10;&#10;Description automatically generated">
-            <a:extLst>
-              <a:ext uri="{FF2B5EF4-FFF2-40B4-BE49-F238E27FC236}">
-                <a16:creationId xmlns:a16="http://schemas.microsoft.com/office/drawing/2014/main" id="{D7D3444A-1BEA-2C40-8681-A4A53011C675}"/>
+          <p:cNvPr id="5" name="Audio Recording Sep 11, 2021 at 5:17:59 PM" descr="Audio Recording Sep 11, 2021 at 5:17:59 PM">
+            <a:hlinkClick r:id="" action="ppaction://media"/>
+            <a:extLst>
+              <a:ext uri="{FF2B5EF4-FFF2-40B4-BE49-F238E27FC236}">
+                <a16:creationId xmlns:a16="http://schemas.microsoft.com/office/drawing/2014/main" id="{C3C6F19E-A290-784B-8FE0-9746EDF3D321}"/>
               </a:ext>
             </a:extLst>
           </p:cNvPr>
           <p:cNvPicPr>
             <a:picLocks noChangeAspect="1"/>
           </p:cNvPicPr>
-          <p:nvPr/>
+          <p:nvPr>
+            <a:audioFile r:link="rId2"/>
+            <p:extLst>
+              <p:ext uri="{DAA4B4D4-6D71-4841-9C94-3DE7FCFB9230}">
+                <p14:media xmlns:p14="http://schemas.microsoft.com/office/powerpoint/2010/main" r:embed="rId1"/>
+              </p:ext>
+            </p:extLst>
+          </p:nvPr>
         </p:nvPicPr>
         <p:blipFill>
           <a:blip r:embed="rId4"/>
@@ -8042,8 +8050,8 @@
         </p:blipFill>
         <p:spPr>
           <a:xfrm>
-            <a:off x="10626079" y="341827"/>
-            <a:ext cx="1455442" cy="1295294"/>
+            <a:off x="5682285" y="3022600"/>
+            <a:ext cx="812800" cy="812800"/>
           </a:xfrm>
           <a:prstGeom prst="rect">
             <a:avLst/>
@@ -8052,25 +8060,17 @@
       </p:pic>
       <p:pic>
         <p:nvPicPr>
-          <p:cNvPr id="5" name="Audio Recording Sep 11, 2021 at 5:17:59 PM" descr="Audio Recording Sep 11, 2021 at 5:17:59 PM">
-            <a:hlinkClick r:id="" action="ppaction://media"/>
-            <a:extLst>
-              <a:ext uri="{FF2B5EF4-FFF2-40B4-BE49-F238E27FC236}">
-                <a16:creationId xmlns:a16="http://schemas.microsoft.com/office/drawing/2014/main" id="{C3C6F19E-A290-784B-8FE0-9746EDF3D321}"/>
+          <p:cNvPr id="7" name="Picture 6">
+            <a:extLst>
+              <a:ext uri="{FF2B5EF4-FFF2-40B4-BE49-F238E27FC236}">
+                <a16:creationId xmlns:a16="http://schemas.microsoft.com/office/drawing/2014/main" id="{1AAB4EF0-5CDF-4909-A994-9A6B4F9210F2}"/>
               </a:ext>
             </a:extLst>
           </p:cNvPr>
           <p:cNvPicPr>
             <a:picLocks noChangeAspect="1"/>
           </p:cNvPicPr>
-          <p:nvPr>
-            <a:audioFile r:link="rId2"/>
-            <p:extLst>
-              <p:ext uri="{DAA4B4D4-6D71-4841-9C94-3DE7FCFB9230}">
-                <p14:media xmlns:p14="http://schemas.microsoft.com/office/powerpoint/2010/main" r:embed="rId1"/>
-              </p:ext>
-            </p:extLst>
-          </p:nvPr>
+          <p:nvPr/>
         </p:nvPicPr>
         <p:blipFill>
           <a:blip r:embed="rId5"/>
@@ -8080,8 +8080,8 @@
         </p:blipFill>
         <p:spPr>
           <a:xfrm>
-            <a:off x="5682285" y="3022600"/>
-            <a:ext cx="812800" cy="812800"/>
+            <a:off x="10672667" y="0"/>
+            <a:ext cx="1362265" cy="1295581"/>
           </a:xfrm>
           <a:prstGeom prst="rect">
             <a:avLst/>

--- a/Presentation1.pptx
+++ b/Presentation1.pptx
@@ -208,7 +208,7 @@
           <a:p>
             <a:fld id="{C924C7E0-0231-BC4D-998C-8579217BF4F3}" type="datetimeFigureOut">
               <a:rPr lang="en-US" smtClean="0"/>
-              <a:t>9/12/2021</a:t>
+              <a:t>9/13/2021</a:t>
             </a:fld>
             <a:endParaRPr lang="en-US"/>
           </a:p>
@@ -1345,7 +1345,7 @@
           <a:p>
             <a:fld id="{D6D0F569-AC90-44EB-9EF4-4E5C2F5D823C}" type="datetime1">
               <a:rPr lang="en-US" smtClean="0"/>
-              <a:t>9/12/2021</a:t>
+              <a:t>9/13/2021</a:t>
             </a:fld>
             <a:endParaRPr lang="en-US" dirty="0"/>
           </a:p>
@@ -1547,7 +1547,7 @@
           <a:p>
             <a:fld id="{46BA7D41-E8B7-4A0B-B861-3EC4AE88917D}" type="datetime1">
               <a:rPr lang="en-US" smtClean="0"/>
-              <a:t>9/12/2021</a:t>
+              <a:t>9/13/2021</a:t>
             </a:fld>
             <a:endParaRPr lang="en-US" dirty="0"/>
           </a:p>
@@ -1759,7 +1759,7 @@
           <a:p>
             <a:fld id="{A7C34823-0B19-4B4E-A643-7A3B0A3D24D6}" type="datetime1">
               <a:rPr lang="en-US" smtClean="0"/>
-              <a:t>9/12/2021</a:t>
+              <a:t>9/13/2021</a:t>
             </a:fld>
             <a:endParaRPr lang="en-US" dirty="0"/>
           </a:p>
@@ -1961,7 +1961,7 @@
           <a:p>
             <a:fld id="{8C2D79EF-17C8-45D8-9866-DAF5723FC604}" type="datetime1">
               <a:rPr lang="en-US" smtClean="0"/>
-              <a:t>9/12/2021</a:t>
+              <a:t>9/13/2021</a:t>
             </a:fld>
             <a:endParaRPr lang="en-US" dirty="0"/>
           </a:p>
@@ -2240,7 +2240,7 @@
           <a:p>
             <a:fld id="{DFFC2ADC-3680-4013-A757-E4663495DB98}" type="datetime1">
               <a:rPr lang="en-US" smtClean="0"/>
-              <a:t>9/12/2021</a:t>
+              <a:t>9/13/2021</a:t>
             </a:fld>
             <a:endParaRPr lang="en-US" dirty="0"/>
           </a:p>
@@ -2509,7 +2509,7 @@
           <a:p>
             <a:fld id="{4751BA94-5DCA-4F19-960F-0FB2BD5EE85A}" type="datetime1">
               <a:rPr lang="en-US" smtClean="0"/>
-              <a:t>9/12/2021</a:t>
+              <a:t>9/13/2021</a:t>
             </a:fld>
             <a:endParaRPr lang="en-US" dirty="0"/>
           </a:p>
@@ -2926,7 +2926,7 @@
             <a:fld id="{5ECD8B30-1B71-45A1-8314-D59C86F581E1}" type="datetime1">
               <a:rPr lang="en-US" smtClean="0"/>
               <a:pPr/>
-              <a:t>9/12/2021</a:t>
+              <a:t>9/13/2021</a:t>
             </a:fld>
             <a:endParaRPr lang="en-US" b="1" dirty="0"/>
           </a:p>
@@ -3073,7 +3073,7 @@
           <a:p>
             <a:fld id="{3781E23F-BD3C-4F23-B116-2B758120C8AC}" type="datetime1">
               <a:rPr lang="en-US" smtClean="0"/>
-              <a:t>9/12/2021</a:t>
+              <a:t>9/13/2021</a:t>
             </a:fld>
             <a:endParaRPr lang="en-US" dirty="0"/>
           </a:p>
@@ -3190,7 +3190,7 @@
           <a:p>
             <a:fld id="{473CFAA9-6D59-4D98-869E-ACBDB83B2CA4}" type="datetime1">
               <a:rPr lang="en-US" smtClean="0"/>
-              <a:t>9/12/2021</a:t>
+              <a:t>9/13/2021</a:t>
             </a:fld>
             <a:endParaRPr lang="en-US"/>
           </a:p>
@@ -3505,7 +3505,7 @@
           <a:p>
             <a:fld id="{DC410804-27E3-430A-BB42-B831260DE39A}" type="datetime1">
               <a:rPr lang="en-US" smtClean="0"/>
-              <a:t>9/12/2021</a:t>
+              <a:t>9/13/2021</a:t>
             </a:fld>
             <a:endParaRPr lang="en-US" dirty="0"/>
           </a:p>
@@ -3797,7 +3797,7 @@
           <a:p>
             <a:fld id="{60E22DE3-3D1A-4D53-B9A6-6C7463B8C992}" type="datetime1">
               <a:rPr lang="en-US" smtClean="0"/>
-              <a:t>9/12/2021</a:t>
+              <a:t>9/13/2021</a:t>
             </a:fld>
             <a:endParaRPr lang="en-US" dirty="0"/>
           </a:p>
@@ -4064,7 +4064,7 @@
             <a:fld id="{5ECD8B30-1B71-45A1-8314-D59C86F581E1}" type="datetime1">
               <a:rPr lang="en-US" smtClean="0"/>
               <a:pPr/>
-              <a:t>9/12/2021</a:t>
+              <a:t>9/13/2021</a:t>
             </a:fld>
             <a:endParaRPr lang="en-US" b="1" dirty="0"/>
           </a:p>
@@ -5947,7 +5947,7 @@
           </p:nvPr>
         </p:nvPicPr>
         <p:blipFill>
-          <a:blip r:embed="rId2"/>
+          <a:blip r:embed="rId4"/>
           <a:stretch>
             <a:fillRect/>
           </a:stretch>
@@ -5957,6 +5957,44 @@
             <a:off x="1246909" y="1513185"/>
             <a:ext cx="1806121" cy="1744819"/>
           </a:xfrm>
+        </p:spPr>
+      </p:pic>
+      <p:pic>
+        <p:nvPicPr>
+          <p:cNvPr id="3" name="Recorded Sound">
+            <a:hlinkClick r:id="" action="ppaction://media"/>
+            <a:extLst>
+              <a:ext uri="{FF2B5EF4-FFF2-40B4-BE49-F238E27FC236}">
+                <a16:creationId xmlns:a16="http://schemas.microsoft.com/office/drawing/2014/main" id="{F260456B-7914-4A39-B150-4F26BC5F6363}"/>
+              </a:ext>
+            </a:extLst>
+          </p:cNvPr>
+          <p:cNvPicPr>
+            <a:picLocks noChangeAspect="1"/>
+          </p:cNvPicPr>
+          <p:nvPr>
+            <a:audioFile r:link="rId2"/>
+            <p:extLst>
+              <p:ext uri="{DAA4B4D4-6D71-4841-9C94-3DE7FCFB9230}">
+                <p14:media xmlns:p14="http://schemas.microsoft.com/office/powerpoint/2010/main" r:embed="rId1"/>
+              </p:ext>
+            </p:extLst>
+          </p:nvPr>
+        </p:nvPicPr>
+        <p:blipFill>
+          <a:blip r:embed="rId5"/>
+          <a:stretch>
+            <a:fillRect/>
+          </a:stretch>
+        </p:blipFill>
+        <p:spPr>
+          <a:xfrm>
+            <a:off x="5791200" y="3124200"/>
+            <a:ext cx="609600" cy="609600"/>
+          </a:xfrm>
+          <a:prstGeom prst="rect">
+            <a:avLst/>
+          </a:prstGeom>
         </p:spPr>
       </p:pic>
     </p:spTree>
@@ -5969,6 +6007,90 @@
   <p:clrMapOvr>
     <a:masterClrMapping/>
   </p:clrMapOvr>
+  <p:timing>
+    <p:tnLst>
+      <p:par>
+        <p:cTn id="1" dur="indefinite" restart="never" nodeType="tmRoot">
+          <p:childTnLst>
+            <p:seq concurrent="1" nextAc="seek">
+              <p:cTn id="2" dur="indefinite" nodeType="mainSeq">
+                <p:childTnLst>
+                  <p:par>
+                    <p:cTn id="3" fill="hold">
+                      <p:stCondLst>
+                        <p:cond delay="indefinite"/>
+                      </p:stCondLst>
+                      <p:childTnLst>
+                        <p:par>
+                          <p:cTn id="4" fill="hold">
+                            <p:stCondLst>
+                              <p:cond delay="0"/>
+                            </p:stCondLst>
+                            <p:childTnLst>
+                              <p:par>
+                                <p:cTn id="5" presetID="1" presetClass="mediacall" presetSubtype="0" fill="hold" nodeType="clickEffect">
+                                  <p:stCondLst>
+                                    <p:cond delay="0"/>
+                                  </p:stCondLst>
+                                  <p:childTnLst>
+                                    <p:cmd type="call" cmd="playFrom(0.0)">
+                                      <p:cBhvr>
+                                        <p:cTn id="6" dur="63377" fill="hold"/>
+                                        <p:tgtEl>
+                                          <p:spTgt spid="3"/>
+                                        </p:tgtEl>
+                                      </p:cBhvr>
+                                    </p:cmd>
+                                  </p:childTnLst>
+                                </p:cTn>
+                              </p:par>
+                            </p:childTnLst>
+                          </p:cTn>
+                        </p:par>
+                      </p:childTnLst>
+                    </p:cTn>
+                  </p:par>
+                </p:childTnLst>
+              </p:cTn>
+              <p:prevCondLst>
+                <p:cond evt="onPrev" delay="0">
+                  <p:tgtEl>
+                    <p:sldTgt/>
+                  </p:tgtEl>
+                </p:cond>
+              </p:prevCondLst>
+              <p:nextCondLst>
+                <p:cond evt="onNext" delay="0">
+                  <p:tgtEl>
+                    <p:sldTgt/>
+                  </p:tgtEl>
+                </p:cond>
+              </p:nextCondLst>
+            </p:seq>
+            <p:audio>
+              <p:cMediaNode vol="80000">
+                <p:cTn id="7" fill="hold" display="0">
+                  <p:stCondLst>
+                    <p:cond delay="indefinite"/>
+                  </p:stCondLst>
+                  <p:endCondLst>
+                    <p:cond evt="onStopAudio" delay="0">
+                      <p:tgtEl>
+                        <p:sldTgt/>
+                      </p:tgtEl>
+                    </p:cond>
+                  </p:endCondLst>
+                </p:cTn>
+                <p:tgtEl>
+                  <p:spTgt spid="3"/>
+                </p:tgtEl>
+              </p:cMediaNode>
+            </p:audio>
+          </p:childTnLst>
+        </p:cTn>
+      </p:par>
+    </p:tnLst>
+  </p:timing>
 </p:sld>
 </file>
 

--- a/Presentation1.pptx
+++ b/Presentation1.pptx
@@ -208,7 +208,7 @@
           <a:p>
             <a:fld id="{C924C7E0-0231-BC4D-998C-8579217BF4F3}" type="datetimeFigureOut">
               <a:rPr lang="en-US" smtClean="0"/>
-              <a:t>9/13/2021</a:t>
+              <a:t>9/14/21</a:t>
             </a:fld>
             <a:endParaRPr lang="en-US"/>
           </a:p>
@@ -1345,7 +1345,7 @@
           <a:p>
             <a:fld id="{D6D0F569-AC90-44EB-9EF4-4E5C2F5D823C}" type="datetime1">
               <a:rPr lang="en-US" smtClean="0"/>
-              <a:t>9/13/2021</a:t>
+              <a:t>9/14/21</a:t>
             </a:fld>
             <a:endParaRPr lang="en-US" dirty="0"/>
           </a:p>
@@ -1547,7 +1547,7 @@
           <a:p>
             <a:fld id="{46BA7D41-E8B7-4A0B-B861-3EC4AE88917D}" type="datetime1">
               <a:rPr lang="en-US" smtClean="0"/>
-              <a:t>9/13/2021</a:t>
+              <a:t>9/14/21</a:t>
             </a:fld>
             <a:endParaRPr lang="en-US" dirty="0"/>
           </a:p>
@@ -1759,7 +1759,7 @@
           <a:p>
             <a:fld id="{A7C34823-0B19-4B4E-A643-7A3B0A3D24D6}" type="datetime1">
               <a:rPr lang="en-US" smtClean="0"/>
-              <a:t>9/13/2021</a:t>
+              <a:t>9/14/21</a:t>
             </a:fld>
             <a:endParaRPr lang="en-US" dirty="0"/>
           </a:p>
@@ -1961,7 +1961,7 @@
           <a:p>
             <a:fld id="{8C2D79EF-17C8-45D8-9866-DAF5723FC604}" type="datetime1">
               <a:rPr lang="en-US" smtClean="0"/>
-              <a:t>9/13/2021</a:t>
+              <a:t>9/14/21</a:t>
             </a:fld>
             <a:endParaRPr lang="en-US" dirty="0"/>
           </a:p>
@@ -2240,7 +2240,7 @@
           <a:p>
             <a:fld id="{DFFC2ADC-3680-4013-A757-E4663495DB98}" type="datetime1">
               <a:rPr lang="en-US" smtClean="0"/>
-              <a:t>9/13/2021</a:t>
+              <a:t>9/14/21</a:t>
             </a:fld>
             <a:endParaRPr lang="en-US" dirty="0"/>
           </a:p>
@@ -2509,7 +2509,7 @@
           <a:p>
             <a:fld id="{4751BA94-5DCA-4F19-960F-0FB2BD5EE85A}" type="datetime1">
               <a:rPr lang="en-US" smtClean="0"/>
-              <a:t>9/13/2021</a:t>
+              <a:t>9/14/21</a:t>
             </a:fld>
             <a:endParaRPr lang="en-US" dirty="0"/>
           </a:p>
@@ -2926,7 +2926,7 @@
             <a:fld id="{5ECD8B30-1B71-45A1-8314-D59C86F581E1}" type="datetime1">
               <a:rPr lang="en-US" smtClean="0"/>
               <a:pPr/>
-              <a:t>9/13/2021</a:t>
+              <a:t>9/14/21</a:t>
             </a:fld>
             <a:endParaRPr lang="en-US" b="1" dirty="0"/>
           </a:p>
@@ -3073,7 +3073,7 @@
           <a:p>
             <a:fld id="{3781E23F-BD3C-4F23-B116-2B758120C8AC}" type="datetime1">
               <a:rPr lang="en-US" smtClean="0"/>
-              <a:t>9/13/2021</a:t>
+              <a:t>9/14/21</a:t>
             </a:fld>
             <a:endParaRPr lang="en-US" dirty="0"/>
           </a:p>
@@ -3190,7 +3190,7 @@
           <a:p>
             <a:fld id="{473CFAA9-6D59-4D98-869E-ACBDB83B2CA4}" type="datetime1">
               <a:rPr lang="en-US" smtClean="0"/>
-              <a:t>9/13/2021</a:t>
+              <a:t>9/14/21</a:t>
             </a:fld>
             <a:endParaRPr lang="en-US"/>
           </a:p>
@@ -3505,7 +3505,7 @@
           <a:p>
             <a:fld id="{DC410804-27E3-430A-BB42-B831260DE39A}" type="datetime1">
               <a:rPr lang="en-US" smtClean="0"/>
-              <a:t>9/13/2021</a:t>
+              <a:t>9/14/21</a:t>
             </a:fld>
             <a:endParaRPr lang="en-US" dirty="0"/>
           </a:p>
@@ -3797,7 +3797,7 @@
           <a:p>
             <a:fld id="{60E22DE3-3D1A-4D53-B9A6-6C7463B8C992}" type="datetime1">
               <a:rPr lang="en-US" smtClean="0"/>
-              <a:t>9/13/2021</a:t>
+              <a:t>9/14/21</a:t>
             </a:fld>
             <a:endParaRPr lang="en-US" dirty="0"/>
           </a:p>
@@ -4064,7 +4064,7 @@
             <a:fld id="{5ECD8B30-1B71-45A1-8314-D59C86F581E1}" type="datetime1">
               <a:rPr lang="en-US" smtClean="0"/>
               <a:pPr/>
-              <a:t>9/13/2021</a:t>
+              <a:t>9/14/21</a:t>
             </a:fld>
             <a:endParaRPr lang="en-US" b="1" dirty="0"/>
           </a:p>
@@ -4545,16 +4545,12 @@
           <a:lstStyle/>
           <a:p>
             <a:r>
-              <a:rPr lang="en-US" sz="6000">
+              <a:rPr lang="en-US" sz="6000" dirty="0">
                 <a:latin typeface="Times New Roman" panose="02020603050405020304" pitchFamily="18" charset="0"/>
                 <a:cs typeface="Times New Roman" panose="02020603050405020304" pitchFamily="18" charset="0"/>
               </a:rPr>
               <a:t>The Family web app</a:t>
             </a:r>
-            <a:endParaRPr lang="en-US" sz="6000" dirty="0">
-              <a:latin typeface="Times New Roman" panose="02020603050405020304" pitchFamily="18" charset="0"/>
-              <a:cs typeface="Times New Roman" panose="02020603050405020304" pitchFamily="18" charset="0"/>
-            </a:endParaRPr>
           </a:p>
         </p:txBody>
       </p:sp>
@@ -4630,6 +4626,97 @@
           </a:prstGeom>
         </p:spPr>
       </p:pic>
+      <p:sp>
+        <p:nvSpPr>
+          <p:cNvPr id="5" name="Rectangle 4">
+            <a:extLst>
+              <a:ext uri="{FF2B5EF4-FFF2-40B4-BE49-F238E27FC236}">
+                <a16:creationId xmlns:a16="http://schemas.microsoft.com/office/drawing/2014/main" id="{7B604BDF-BE90-7D40-BB69-5F27463E57BE}"/>
+              </a:ext>
+            </a:extLst>
+          </p:cNvPr>
+          <p:cNvSpPr/>
+          <p:nvPr/>
+        </p:nvSpPr>
+        <p:spPr>
+          <a:xfrm>
+            <a:off x="2137677" y="5272981"/>
+            <a:ext cx="1946687" cy="923330"/>
+          </a:xfrm>
+          <a:prstGeom prst="rect">
+            <a:avLst/>
+          </a:prstGeom>
+          <a:noFill/>
+        </p:spPr>
+        <p:txBody>
+          <a:bodyPr wrap="none" lIns="91440" tIns="45720" rIns="91440" bIns="45720">
+            <a:spAutoFit/>
+          </a:bodyPr>
+          <a:lstStyle/>
+          <a:p>
+            <a:pPr algn="ctr"/>
+            <a:r>
+              <a:rPr lang="en-US" sz="5400" b="1" cap="none" spc="0" dirty="0" err="1">
+                <a:ln w="12700">
+                  <a:solidFill>
+                    <a:schemeClr val="tx2">
+                      <a:lumMod val="75000"/>
+                    </a:schemeClr>
+                  </a:solidFill>
+                  <a:prstDash val="solid"/>
+                </a:ln>
+                <a:pattFill prst="dkUpDiag">
+                  <a:fgClr>
+                    <a:schemeClr val="tx2"/>
+                  </a:fgClr>
+                  <a:bgClr>
+                    <a:schemeClr val="tx2">
+                      <a:lumMod val="20000"/>
+                      <a:lumOff val="80000"/>
+                    </a:schemeClr>
+                  </a:bgClr>
+                </a:pattFill>
+                <a:effectLst>
+                  <a:outerShdw dist="38100" dir="2640000" algn="bl" rotWithShape="0">
+                    <a:schemeClr val="tx2">
+                      <a:lumMod val="75000"/>
+                    </a:schemeClr>
+                  </a:outerShdw>
+                </a:effectLst>
+              </a:rPr>
+              <a:t>Fazeal</a:t>
+            </a:r>
+            <a:endParaRPr lang="en-US" sz="5400" b="1" cap="none" spc="0" dirty="0">
+              <a:ln w="12700">
+                <a:solidFill>
+                  <a:schemeClr val="tx2">
+                    <a:lumMod val="75000"/>
+                  </a:schemeClr>
+                </a:solidFill>
+                <a:prstDash val="solid"/>
+              </a:ln>
+              <a:pattFill prst="dkUpDiag">
+                <a:fgClr>
+                  <a:schemeClr val="tx2"/>
+                </a:fgClr>
+                <a:bgClr>
+                  <a:schemeClr val="tx2">
+                    <a:lumMod val="20000"/>
+                    <a:lumOff val="80000"/>
+                  </a:schemeClr>
+                </a:bgClr>
+              </a:pattFill>
+              <a:effectLst>
+                <a:outerShdw dist="38100" dir="2640000" algn="bl" rotWithShape="0">
+                  <a:schemeClr val="tx2">
+                    <a:lumMod val="75000"/>
+                  </a:schemeClr>
+                </a:outerShdw>
+              </a:effectLst>
+            </a:endParaRPr>
+          </a:p>
+        </p:txBody>
+      </p:sp>
     </p:spTree>
     <p:extLst>
       <p:ext uri="{BB962C8B-B14F-4D97-AF65-F5344CB8AC3E}">
@@ -5595,8 +5682,31 @@
                 <a:latin typeface="Times New Roman" panose="02020603050405020304" pitchFamily="18" charset="0"/>
                 <a:cs typeface="Times New Roman" panose="02020603050405020304" pitchFamily="18" charset="0"/>
               </a:rPr>
-              <a:t>The Family Web App</a:t>
-            </a:r>
+              <a:t>The Family Web App. </a:t>
+            </a:r>
+            <a:r>
+              <a:rPr lang="en-US" dirty="0" err="1">
+                <a:solidFill>
+                  <a:schemeClr val="tx1">
+                    <a:lumMod val="95000"/>
+                    <a:lumOff val="5000"/>
+                  </a:schemeClr>
+                </a:solidFill>
+                <a:latin typeface="Times New Roman" panose="02020603050405020304" pitchFamily="18" charset="0"/>
+                <a:cs typeface="Times New Roman" panose="02020603050405020304" pitchFamily="18" charset="0"/>
+              </a:rPr>
+              <a:t>Fazeal</a:t>
+            </a:r>
+            <a:endParaRPr lang="en-US" dirty="0">
+              <a:solidFill>
+                <a:schemeClr val="tx1">
+                  <a:lumMod val="95000"/>
+                  <a:lumOff val="5000"/>
+                </a:schemeClr>
+              </a:solidFill>
+              <a:latin typeface="Times New Roman" panose="02020603050405020304" pitchFamily="18" charset="0"/>
+              <a:cs typeface="Times New Roman" panose="02020603050405020304" pitchFamily="18" charset="0"/>
+            </a:endParaRPr>
           </a:p>
         </p:txBody>
       </p:sp>
@@ -5865,8 +5975,8 @@
         </p:nvSpPr>
         <p:spPr>
           <a:xfrm>
-            <a:off x="4616605" y="4627756"/>
-            <a:ext cx="6559360" cy="1015663"/>
+            <a:off x="838200" y="3659499"/>
+            <a:ext cx="2969595" cy="646331"/>
           </a:xfrm>
           <a:prstGeom prst="rect">
             <a:avLst/>
@@ -5880,52 +5990,14 @@
           <a:lstStyle/>
           <a:p>
             <a:r>
-              <a:rPr lang="en-US" sz="2000" dirty="0">
-                <a:solidFill>
-                  <a:schemeClr val="accent1">
-                    <a:lumMod val="50000"/>
-                  </a:schemeClr>
-                </a:solidFill>
-                <a:latin typeface="Times New Roman" panose="02020603050405020304" pitchFamily="18" charset="0"/>
-                <a:cs typeface="Times New Roman" panose="02020603050405020304" pitchFamily="18" charset="0"/>
-              </a:rPr>
-              <a:t>Family Organizer , family corner, Fam spot&lt;Proposed name &gt;</a:t>
-            </a:r>
-          </a:p>
-          <a:p>
-            <a:pPr marL="285750" indent="-285750">
-              <a:buFontTx/>
-              <a:buChar char="-"/>
-            </a:pPr>
-            <a:r>
-              <a:rPr lang="en-US" sz="2000" dirty="0">
-                <a:solidFill>
-                  <a:schemeClr val="accent1">
-                    <a:lumMod val="50000"/>
-                  </a:schemeClr>
-                </a:solidFill>
-                <a:latin typeface="Times New Roman" panose="02020603050405020304" pitchFamily="18" charset="0"/>
-                <a:cs typeface="Times New Roman" panose="02020603050405020304" pitchFamily="18" charset="0"/>
-              </a:rPr>
-              <a:t>Less Family worry about what to do and what's next.</a:t>
-            </a:r>
-          </a:p>
-          <a:p>
-            <a:pPr marL="285750" indent="-285750">
-              <a:buFontTx/>
-              <a:buChar char="-"/>
-            </a:pPr>
-            <a:r>
-              <a:rPr lang="en-US" sz="2000" dirty="0">
-                <a:solidFill>
-                  <a:schemeClr val="accent1">
-                    <a:lumMod val="50000"/>
-                  </a:schemeClr>
-                </a:solidFill>
-                <a:latin typeface="Times New Roman" panose="02020603050405020304" pitchFamily="18" charset="0"/>
-                <a:cs typeface="Times New Roman" panose="02020603050405020304" pitchFamily="18" charset="0"/>
-              </a:rPr>
-              <a:t>Have visibility to what your family doing.</a:t>
+              <a:rPr lang="en-US" b="1" dirty="0"/>
+              <a:t>We’re always better together</a:t>
+            </a:r>
+          </a:p>
+          <a:p>
+            <a:r>
+              <a:rPr lang="en-US" b="1" dirty="0"/>
+              <a:t>Always there to always care</a:t>
             </a:r>
           </a:p>
         </p:txBody>
@@ -6500,8 +6572,19 @@
                 <a:latin typeface="Times New Roman" panose="02020603050405020304" pitchFamily="18" charset="0"/>
                 <a:cs typeface="Times New Roman" panose="02020603050405020304" pitchFamily="18" charset="0"/>
               </a:rPr>
-              <a:t>Family web application</a:t>
-            </a:r>
+              <a:t>Family web application </a:t>
+            </a:r>
+            <a:r>
+              <a:rPr lang="en-US" sz="4400" dirty="0" err="1">
+                <a:latin typeface="Times New Roman" panose="02020603050405020304" pitchFamily="18" charset="0"/>
+                <a:cs typeface="Times New Roman" panose="02020603050405020304" pitchFamily="18" charset="0"/>
+              </a:rPr>
+              <a:t>Fazeal</a:t>
+            </a:r>
+            <a:endParaRPr lang="en-US" sz="4400" dirty="0">
+              <a:latin typeface="Times New Roman" panose="02020603050405020304" pitchFamily="18" charset="0"/>
+              <a:cs typeface="Times New Roman" panose="02020603050405020304" pitchFamily="18" charset="0"/>
+            </a:endParaRPr>
           </a:p>
         </p:txBody>
       </p:sp>
